--- a/ViT_docs/Test scenario-ViT/No.2-질의창.pptx
+++ b/ViT_docs/Test scenario-ViT/No.2-질의창.pptx
@@ -6,10 +6,10 @@
     <p:sldMasterId id="2147484752" r:id="rId5"/>
   </p:sldMasterIdLst>
   <p:notesMasterIdLst>
-    <p:notesMasterId r:id="rId13"/>
+    <p:notesMasterId r:id="rId17"/>
   </p:notesMasterIdLst>
   <p:handoutMasterIdLst>
-    <p:handoutMasterId r:id="rId14"/>
+    <p:handoutMasterId r:id="rId18"/>
   </p:handoutMasterIdLst>
   <p:sldIdLst>
     <p:sldId id="487" r:id="rId6"/>
@@ -19,23 +19,27 @@
     <p:sldId id="777" r:id="rId10"/>
     <p:sldId id="769" r:id="rId11"/>
     <p:sldId id="770" r:id="rId12"/>
+    <p:sldId id="778" r:id="rId13"/>
+    <p:sldId id="781" r:id="rId14"/>
+    <p:sldId id="779" r:id="rId15"/>
+    <p:sldId id="780" r:id="rId16"/>
   </p:sldIdLst>
   <p:sldSz cx="9144000" cy="6858000" type="screen4x3"/>
   <p:notesSz cx="6669088" cy="9928225"/>
   <p:embeddedFontLst>
     <p:embeddedFont>
       <p:font typeface="나눔고딕" panose="020D0604000000000000" pitchFamily="50" charset="-127"/>
-      <p:regular r:id="rId15"/>
-      <p:bold r:id="rId16"/>
+      <p:regular r:id="rId19"/>
+      <p:bold r:id="rId20"/>
     </p:embeddedFont>
     <p:embeddedFont>
       <p:font typeface="나눔고딕 Bold" panose="020D0804000000000000" pitchFamily="50" charset="-127"/>
-      <p:bold r:id="rId17"/>
+      <p:bold r:id="rId21"/>
     </p:embeddedFont>
     <p:embeddedFont>
       <p:font typeface="맑은 고딕" panose="020B0503020000020004" pitchFamily="50" charset="-127"/>
-      <p:regular r:id="rId18"/>
-      <p:bold r:id="rId19"/>
+      <p:regular r:id="rId22"/>
+      <p:bold r:id="rId23"/>
     </p:embeddedFont>
   </p:embeddedFontLst>
   <p:defaultTextStyle>
@@ -3434,6 +3438,762 @@
 </p:sld>
 </file>
 
+<file path=ppt/slides/slide10.xml><?xml version="1.0" encoding="utf-8"?>
+<p:sld xmlns:a="http://schemas.openxmlformats.org/drawingml/2006/main" xmlns:r="http://schemas.openxmlformats.org/officeDocument/2006/relationships" xmlns:p="http://schemas.openxmlformats.org/presentationml/2006/main">
+  <p:cSld>
+    <p:spTree>
+      <p:nvGrpSpPr>
+        <p:cNvPr id="1" name=""/>
+        <p:cNvGrpSpPr/>
+        <p:nvPr/>
+      </p:nvGrpSpPr>
+      <p:grpSpPr>
+        <a:xfrm>
+          <a:off x="0" y="0"/>
+          <a:ext cx="0" cy="0"/>
+          <a:chOff x="0" y="0"/>
+          <a:chExt cx="0" cy="0"/>
+        </a:xfrm>
+      </p:grpSpPr>
+      <p:sp>
+        <p:nvSpPr>
+          <p:cNvPr id="49156" name="내용 개체 틀 4"/>
+          <p:cNvSpPr>
+            <a:spLocks noGrp="1"/>
+          </p:cNvSpPr>
+          <p:nvPr>
+            <p:ph idx="1"/>
+          </p:nvPr>
+        </p:nvSpPr>
+        <p:spPr bwMode="auto">
+          <a:noFill/>
+          <a:extLst>
+            <a:ext uri="{909E8E84-426E-40DD-AFC4-6F175D3DCCD1}">
+              <a14:hiddenFill xmlns:a14="http://schemas.microsoft.com/office/drawing/2010/main">
+                <a:solidFill>
+                  <a:srgbClr val="FFFFFF"/>
+                </a:solidFill>
+              </a14:hiddenFill>
+            </a:ext>
+            <a:ext uri="{91240B29-F687-4F45-9708-019B960494DF}">
+              <a14:hiddenLine xmlns:a14="http://schemas.microsoft.com/office/drawing/2010/main" w="9525">
+                <a:solidFill>
+                  <a:srgbClr val="000000"/>
+                </a:solidFill>
+                <a:miter lim="800000"/>
+                <a:headEnd/>
+                <a:tailEnd/>
+              </a14:hiddenLine>
+            </a:ext>
+          </a:extLst>
+        </p:spPr>
+        <p:txBody>
+          <a:bodyPr vert="horz" wrap="square" lIns="91440" tIns="45720" rIns="91440" bIns="45720" numCol="1" anchor="t" anchorCtr="0" compatLnSpc="1">
+            <a:prstTxWarp prst="textNoShape">
+              <a:avLst/>
+            </a:prstTxWarp>
+          </a:bodyPr>
+          <a:lstStyle/>
+          <a:p>
+            <a:pPr>
+              <a:buFontTx/>
+              <a:buChar char="-"/>
+            </a:pPr>
+            <a:r>
+              <a:rPr lang="ko-KR" altLang="en-US">
+                <a:latin typeface="+mn-lt"/>
+                <a:ea typeface="+mj-ea"/>
+              </a:rPr>
+              <a:t>화면과 같이 </a:t>
+            </a:r>
+            <a:r>
+              <a:rPr lang="en-US" altLang="ko-KR">
+                <a:latin typeface="+mn-lt"/>
+                <a:ea typeface="+mj-ea"/>
+              </a:rPr>
+              <a:t>CUSTOMER – C_CUSTKEY (</a:t>
+            </a:r>
+            <a:r>
+              <a:rPr lang="ko-KR" altLang="en-US">
+                <a:latin typeface="+mn-lt"/>
+                <a:ea typeface="+mj-ea"/>
+              </a:rPr>
+              <a:t>숫자형</a:t>
+            </a:r>
+            <a:r>
+              <a:rPr lang="en-US" altLang="ko-KR">
+                <a:latin typeface="+mn-lt"/>
+                <a:ea typeface="+mj-ea"/>
+              </a:rPr>
+              <a:t>)</a:t>
+            </a:r>
+            <a:r>
+              <a:rPr lang="ko-KR" altLang="en-US">
+                <a:latin typeface="+mn-lt"/>
+                <a:ea typeface="+mj-ea"/>
+              </a:rPr>
+              <a:t>를 선택하여 </a:t>
+            </a:r>
+            <a:endParaRPr lang="en-US" altLang="ko-KR">
+              <a:latin typeface="+mn-lt"/>
+              <a:ea typeface="+mj-ea"/>
+            </a:endParaRPr>
+          </a:p>
+          <a:p>
+            <a:pPr marL="0" indent="0">
+              <a:buNone/>
+            </a:pPr>
+            <a:r>
+              <a:rPr lang="en-US" altLang="ko-KR">
+                <a:solidFill>
+                  <a:schemeClr val="tx2"/>
+                </a:solidFill>
+                <a:latin typeface="+mn-lt"/>
+                <a:ea typeface="+mj-ea"/>
+              </a:rPr>
+              <a:t>* </a:t>
+            </a:r>
+            <a:r>
+              <a:rPr lang="ko-KR" altLang="en-US">
+                <a:solidFill>
+                  <a:schemeClr val="tx2"/>
+                </a:solidFill>
+                <a:latin typeface="+mn-lt"/>
+                <a:ea typeface="+mj-ea"/>
+              </a:rPr>
+              <a:t>숫자형 연산자가 출력되는지 확인</a:t>
+            </a:r>
+            <a:endParaRPr lang="en-US" altLang="ko-KR" dirty="0">
+              <a:solidFill>
+                <a:schemeClr val="tx2"/>
+              </a:solidFill>
+              <a:latin typeface="+mn-lt"/>
+              <a:ea typeface="+mj-ea"/>
+            </a:endParaRPr>
+          </a:p>
+          <a:p>
+            <a:pPr>
+              <a:buFontTx/>
+              <a:buChar char="-"/>
+            </a:pPr>
+            <a:r>
+              <a:rPr lang="ko-KR" altLang="en-US">
+                <a:latin typeface="+mn-lt"/>
+                <a:ea typeface="+mj-ea"/>
+              </a:rPr>
+              <a:t>화면과 같이 </a:t>
+            </a:r>
+            <a:r>
+              <a:rPr lang="en-US" altLang="ko-KR">
+                <a:latin typeface="+mn-lt"/>
+                <a:ea typeface="+mj-ea"/>
+              </a:rPr>
+              <a:t>CUSTOMER – C_NAME (</a:t>
+            </a:r>
+            <a:r>
+              <a:rPr lang="ko-KR" altLang="en-US">
+                <a:latin typeface="+mn-lt"/>
+                <a:ea typeface="+mj-ea"/>
+              </a:rPr>
+              <a:t>문자형</a:t>
+            </a:r>
+            <a:r>
+              <a:rPr lang="en-US" altLang="ko-KR">
+                <a:latin typeface="+mn-lt"/>
+                <a:ea typeface="+mj-ea"/>
+              </a:rPr>
+              <a:t>)</a:t>
+            </a:r>
+            <a:r>
+              <a:rPr lang="ko-KR" altLang="en-US">
+                <a:latin typeface="+mn-lt"/>
+                <a:ea typeface="+mj-ea"/>
+              </a:rPr>
+              <a:t>를 선택하여 </a:t>
+            </a:r>
+            <a:endParaRPr lang="en-US" altLang="ko-KR">
+              <a:latin typeface="+mn-lt"/>
+              <a:ea typeface="+mj-ea"/>
+            </a:endParaRPr>
+          </a:p>
+          <a:p>
+            <a:pPr marL="0" indent="0">
+              <a:buNone/>
+            </a:pPr>
+            <a:r>
+              <a:rPr lang="en-US" altLang="ko-KR">
+                <a:solidFill>
+                  <a:schemeClr val="tx2"/>
+                </a:solidFill>
+                <a:latin typeface="+mn-lt"/>
+                <a:ea typeface="+mj-ea"/>
+              </a:rPr>
+              <a:t>* </a:t>
+            </a:r>
+            <a:r>
+              <a:rPr lang="ko-KR" altLang="en-US">
+                <a:solidFill>
+                  <a:schemeClr val="tx2"/>
+                </a:solidFill>
+                <a:latin typeface="+mn-lt"/>
+                <a:ea typeface="+mj-ea"/>
+              </a:rPr>
+              <a:t>문자형 연산자가 출력되는지 확인</a:t>
+            </a:r>
+            <a:endParaRPr lang="en-US" altLang="ko-KR" dirty="0">
+              <a:solidFill>
+                <a:schemeClr val="tx2"/>
+              </a:solidFill>
+              <a:latin typeface="+mn-lt"/>
+              <a:ea typeface="+mj-ea"/>
+            </a:endParaRPr>
+          </a:p>
+        </p:txBody>
+      </p:sp>
+      <p:sp>
+        <p:nvSpPr>
+          <p:cNvPr id="49154" name="제목 1"/>
+          <p:cNvSpPr>
+            <a:spLocks noGrp="1"/>
+          </p:cNvSpPr>
+          <p:nvPr>
+            <p:ph type="title"/>
+          </p:nvPr>
+        </p:nvSpPr>
+        <p:spPr bwMode="auto">
+          <a:noFill/>
+          <a:extLst>
+            <a:ext uri="{909E8E84-426E-40DD-AFC4-6F175D3DCCD1}">
+              <a14:hiddenFill xmlns:a14="http://schemas.microsoft.com/office/drawing/2010/main">
+                <a:solidFill>
+                  <a:srgbClr val="FFFFFF"/>
+                </a:solidFill>
+              </a14:hiddenFill>
+            </a:ext>
+            <a:ext uri="{91240B29-F687-4F45-9708-019B960494DF}">
+              <a14:hiddenLine xmlns:a14="http://schemas.microsoft.com/office/drawing/2010/main" w="9525">
+                <a:solidFill>
+                  <a:srgbClr val="000000"/>
+                </a:solidFill>
+                <a:miter lim="800000"/>
+                <a:headEnd/>
+                <a:tailEnd/>
+              </a14:hiddenLine>
+            </a:ext>
+          </a:extLst>
+        </p:spPr>
+        <p:txBody>
+          <a:bodyPr vert="horz" wrap="square" lIns="91440" tIns="45720" rIns="91440" bIns="45720" numCol="1" anchor="t" anchorCtr="0" compatLnSpc="1">
+            <a:prstTxWarp prst="textNoShape">
+              <a:avLst/>
+            </a:prstTxWarp>
+          </a:bodyPr>
+          <a:lstStyle/>
+          <a:p>
+            <a:r>
+              <a:rPr lang="en-US" altLang="ko-KR">
+                <a:latin typeface="+mn-lt"/>
+                <a:ea typeface="+mj-ea"/>
+              </a:rPr>
+              <a:t>7. </a:t>
+            </a:r>
+            <a:r>
+              <a:rPr lang="ko-KR" altLang="en-US">
+                <a:latin typeface="+mn-lt"/>
+              </a:rPr>
+              <a:t>질의 변환 </a:t>
+            </a:r>
+            <a:r>
+              <a:rPr lang="en-US" altLang="ko-KR">
+                <a:latin typeface="+mn-lt"/>
+              </a:rPr>
+              <a:t>– </a:t>
+            </a:r>
+            <a:r>
+              <a:rPr lang="ko-KR" altLang="en-US">
+                <a:latin typeface="+mn-lt"/>
+              </a:rPr>
+              <a:t>연산자 확인</a:t>
+            </a:r>
+            <a:endParaRPr lang="ko-KR" altLang="en-US" sz="1400" dirty="0">
+              <a:latin typeface="+mn-lt"/>
+              <a:ea typeface="+mj-ea"/>
+            </a:endParaRPr>
+          </a:p>
+        </p:txBody>
+      </p:sp>
+      <p:pic>
+        <p:nvPicPr>
+          <p:cNvPr id="4" name="그림 3">
+            <a:extLst>
+              <a:ext uri="{FF2B5EF4-FFF2-40B4-BE49-F238E27FC236}">
+                <a16:creationId xmlns:a16="http://schemas.microsoft.com/office/drawing/2014/main" id="{9DABC3F2-FDB8-A44E-0D3F-B71167EE48DA}"/>
+              </a:ext>
+            </a:extLst>
+          </p:cNvPr>
+          <p:cNvPicPr>
+            <a:picLocks noChangeAspect="1"/>
+          </p:cNvPicPr>
+          <p:nvPr/>
+        </p:nvPicPr>
+        <p:blipFill>
+          <a:blip r:embed="rId2"/>
+          <a:stretch>
+            <a:fillRect/>
+          </a:stretch>
+        </p:blipFill>
+        <p:spPr>
+          <a:xfrm>
+            <a:off x="611560" y="2996952"/>
+            <a:ext cx="3719115" cy="1704307"/>
+          </a:xfrm>
+          <a:prstGeom prst="rect">
+            <a:avLst/>
+          </a:prstGeom>
+        </p:spPr>
+      </p:pic>
+      <p:pic>
+        <p:nvPicPr>
+          <p:cNvPr id="7" name="그림 6">
+            <a:extLst>
+              <a:ext uri="{FF2B5EF4-FFF2-40B4-BE49-F238E27FC236}">
+                <a16:creationId xmlns:a16="http://schemas.microsoft.com/office/drawing/2014/main" id="{930D6AA2-14F8-EE9D-EF61-2A3C19ED1F53}"/>
+              </a:ext>
+            </a:extLst>
+          </p:cNvPr>
+          <p:cNvPicPr>
+            <a:picLocks noChangeAspect="1"/>
+          </p:cNvPicPr>
+          <p:nvPr/>
+        </p:nvPicPr>
+        <p:blipFill>
+          <a:blip r:embed="rId3"/>
+          <a:stretch>
+            <a:fillRect/>
+          </a:stretch>
+        </p:blipFill>
+        <p:spPr>
+          <a:xfrm>
+            <a:off x="4932040" y="2852936"/>
+            <a:ext cx="3307730" cy="1941760"/>
+          </a:xfrm>
+          <a:prstGeom prst="rect">
+            <a:avLst/>
+          </a:prstGeom>
+        </p:spPr>
+      </p:pic>
+    </p:spTree>
+    <p:extLst>
+      <p:ext uri="{BB962C8B-B14F-4D97-AF65-F5344CB8AC3E}">
+        <p14:creationId xmlns:p14="http://schemas.microsoft.com/office/powerpoint/2010/main" val="1367688634"/>
+      </p:ext>
+    </p:extLst>
+  </p:cSld>
+  <p:clrMapOvr>
+    <a:masterClrMapping/>
+  </p:clrMapOvr>
+</p:sld>
+</file>
+
+<file path=ppt/slides/slide11.xml><?xml version="1.0" encoding="utf-8"?>
+<p:sld xmlns:a="http://schemas.openxmlformats.org/drawingml/2006/main" xmlns:r="http://schemas.openxmlformats.org/officeDocument/2006/relationships" xmlns:p="http://schemas.openxmlformats.org/presentationml/2006/main">
+  <p:cSld>
+    <p:spTree>
+      <p:nvGrpSpPr>
+        <p:cNvPr id="1" name=""/>
+        <p:cNvGrpSpPr/>
+        <p:nvPr/>
+      </p:nvGrpSpPr>
+      <p:grpSpPr>
+        <a:xfrm>
+          <a:off x="0" y="0"/>
+          <a:ext cx="0" cy="0"/>
+          <a:chOff x="0" y="0"/>
+          <a:chExt cx="0" cy="0"/>
+        </a:xfrm>
+      </p:grpSpPr>
+      <p:sp>
+        <p:nvSpPr>
+          <p:cNvPr id="49156" name="내용 개체 틀 4"/>
+          <p:cNvSpPr>
+            <a:spLocks noGrp="1"/>
+          </p:cNvSpPr>
+          <p:nvPr>
+            <p:ph idx="1"/>
+          </p:nvPr>
+        </p:nvSpPr>
+        <p:spPr bwMode="auto">
+          <a:noFill/>
+          <a:extLst>
+            <a:ext uri="{909E8E84-426E-40DD-AFC4-6F175D3DCCD1}">
+              <a14:hiddenFill xmlns:a14="http://schemas.microsoft.com/office/drawing/2010/main">
+                <a:solidFill>
+                  <a:srgbClr val="FFFFFF"/>
+                </a:solidFill>
+              </a14:hiddenFill>
+            </a:ext>
+            <a:ext uri="{91240B29-F687-4F45-9708-019B960494DF}">
+              <a14:hiddenLine xmlns:a14="http://schemas.microsoft.com/office/drawing/2010/main" w="9525">
+                <a:solidFill>
+                  <a:srgbClr val="000000"/>
+                </a:solidFill>
+                <a:miter lim="800000"/>
+                <a:headEnd/>
+                <a:tailEnd/>
+              </a14:hiddenLine>
+            </a:ext>
+          </a:extLst>
+        </p:spPr>
+        <p:txBody>
+          <a:bodyPr vert="horz" wrap="square" lIns="91440" tIns="45720" rIns="91440" bIns="45720" numCol="1" anchor="t" anchorCtr="0" compatLnSpc="1">
+            <a:prstTxWarp prst="textNoShape">
+              <a:avLst/>
+            </a:prstTxWarp>
+          </a:bodyPr>
+          <a:lstStyle/>
+          <a:p>
+            <a:pPr>
+              <a:buFontTx/>
+              <a:buChar char="-"/>
+            </a:pPr>
+            <a:r>
+              <a:rPr lang="ko-KR" altLang="en-US">
+                <a:latin typeface="+mn-lt"/>
+                <a:ea typeface="+mj-ea"/>
+              </a:rPr>
+              <a:t>화면과 같이 정점과 간선 정보를 입력후에 </a:t>
+            </a:r>
+            <a:r>
+              <a:rPr lang="en-US" altLang="ko-KR">
+                <a:latin typeface="+mn-lt"/>
+                <a:ea typeface="+mj-ea"/>
+              </a:rPr>
+              <a:t>[</a:t>
+            </a:r>
+            <a:r>
+              <a:rPr lang="ko-KR" altLang="en-US">
+                <a:latin typeface="+mn-lt"/>
+                <a:ea typeface="+mj-ea"/>
+              </a:rPr>
+              <a:t>실행</a:t>
+            </a:r>
+            <a:r>
+              <a:rPr lang="en-US" altLang="ko-KR">
+                <a:latin typeface="+mn-lt"/>
+                <a:ea typeface="+mj-ea"/>
+              </a:rPr>
+              <a:t>] </a:t>
+            </a:r>
+            <a:r>
+              <a:rPr lang="ko-KR" altLang="en-US">
+                <a:latin typeface="+mn-lt"/>
+                <a:ea typeface="+mj-ea"/>
+              </a:rPr>
+              <a:t>버튼을 누를 경우 </a:t>
+            </a:r>
+            <a:endParaRPr lang="en-US" altLang="ko-KR">
+              <a:latin typeface="+mn-lt"/>
+              <a:ea typeface="+mj-ea"/>
+            </a:endParaRPr>
+          </a:p>
+          <a:p>
+            <a:pPr marL="0" indent="0">
+              <a:buNone/>
+            </a:pPr>
+            <a:r>
+              <a:rPr lang="en-US" altLang="ko-KR">
+                <a:solidFill>
+                  <a:schemeClr val="tx2"/>
+                </a:solidFill>
+                <a:latin typeface="+mn-lt"/>
+                <a:ea typeface="+mj-ea"/>
+              </a:rPr>
+              <a:t>* </a:t>
+            </a:r>
+            <a:r>
+              <a:rPr lang="ko-KR" altLang="en-US">
+                <a:solidFill>
+                  <a:schemeClr val="tx2"/>
+                </a:solidFill>
+                <a:latin typeface="+mn-lt"/>
+                <a:ea typeface="+mj-ea"/>
+              </a:rPr>
+              <a:t>정상적으로 질의가 입력되는 지 확인</a:t>
+            </a:r>
+            <a:endParaRPr lang="en-US" altLang="ko-KR">
+              <a:solidFill>
+                <a:schemeClr val="tx2"/>
+              </a:solidFill>
+              <a:latin typeface="+mn-lt"/>
+              <a:ea typeface="+mj-ea"/>
+            </a:endParaRPr>
+          </a:p>
+          <a:p>
+            <a:endParaRPr lang="en-US" altLang="ko-KR">
+              <a:solidFill>
+                <a:schemeClr val="tx2"/>
+              </a:solidFill>
+              <a:latin typeface="+mn-lt"/>
+              <a:ea typeface="+mj-ea"/>
+            </a:endParaRPr>
+          </a:p>
+          <a:p>
+            <a:endParaRPr lang="en-US" altLang="ko-KR">
+              <a:solidFill>
+                <a:schemeClr val="tx2"/>
+              </a:solidFill>
+              <a:latin typeface="+mn-lt"/>
+              <a:ea typeface="+mj-ea"/>
+            </a:endParaRPr>
+          </a:p>
+          <a:p>
+            <a:endParaRPr lang="en-US" altLang="ko-KR">
+              <a:solidFill>
+                <a:schemeClr val="tx2"/>
+              </a:solidFill>
+              <a:latin typeface="+mn-lt"/>
+              <a:ea typeface="+mj-ea"/>
+            </a:endParaRPr>
+          </a:p>
+          <a:p>
+            <a:endParaRPr lang="en-US" altLang="ko-KR">
+              <a:solidFill>
+                <a:schemeClr val="tx2"/>
+              </a:solidFill>
+              <a:latin typeface="+mn-lt"/>
+              <a:ea typeface="+mj-ea"/>
+            </a:endParaRPr>
+          </a:p>
+          <a:p>
+            <a:endParaRPr lang="en-US" altLang="ko-KR">
+              <a:solidFill>
+                <a:schemeClr val="tx2"/>
+              </a:solidFill>
+              <a:latin typeface="+mn-lt"/>
+              <a:ea typeface="+mj-ea"/>
+            </a:endParaRPr>
+          </a:p>
+          <a:p>
+            <a:endParaRPr lang="en-US" altLang="ko-KR">
+              <a:solidFill>
+                <a:schemeClr val="tx2"/>
+              </a:solidFill>
+              <a:latin typeface="+mn-lt"/>
+              <a:ea typeface="+mj-ea"/>
+            </a:endParaRPr>
+          </a:p>
+          <a:p>
+            <a:endParaRPr lang="en-US" altLang="ko-KR">
+              <a:solidFill>
+                <a:schemeClr val="tx2"/>
+              </a:solidFill>
+              <a:latin typeface="+mn-lt"/>
+              <a:ea typeface="+mj-ea"/>
+            </a:endParaRPr>
+          </a:p>
+          <a:p>
+            <a:endParaRPr lang="en-US" altLang="ko-KR">
+              <a:solidFill>
+                <a:schemeClr val="tx2"/>
+              </a:solidFill>
+              <a:latin typeface="+mn-lt"/>
+              <a:ea typeface="+mj-ea"/>
+            </a:endParaRPr>
+          </a:p>
+          <a:p>
+            <a:pPr>
+              <a:buFontTx/>
+              <a:buChar char="-"/>
+            </a:pPr>
+            <a:r>
+              <a:rPr lang="ko-KR" altLang="en-US">
+                <a:latin typeface="+mn-lt"/>
+                <a:ea typeface="+mj-ea"/>
+              </a:rPr>
+              <a:t>화면과 같이 간선 체크 박스를 해제 후에 </a:t>
+            </a:r>
+            <a:endParaRPr lang="en-US" altLang="ko-KR">
+              <a:latin typeface="+mn-lt"/>
+              <a:ea typeface="+mj-ea"/>
+            </a:endParaRPr>
+          </a:p>
+          <a:p>
+            <a:pPr marL="0" indent="0">
+              <a:buNone/>
+            </a:pPr>
+            <a:r>
+              <a:rPr lang="en-US" altLang="ko-KR">
+                <a:solidFill>
+                  <a:schemeClr val="tx2"/>
+                </a:solidFill>
+                <a:latin typeface="+mn-lt"/>
+                <a:ea typeface="+mj-ea"/>
+              </a:rPr>
+              <a:t>* </a:t>
+            </a:r>
+            <a:r>
+              <a:rPr lang="ko-KR" altLang="en-US">
+                <a:solidFill>
+                  <a:schemeClr val="tx2"/>
+                </a:solidFill>
+                <a:latin typeface="+mn-lt"/>
+                <a:ea typeface="+mj-ea"/>
+              </a:rPr>
+              <a:t>간선이 제거된 질의가 입력되는 지 확인</a:t>
+            </a:r>
+            <a:endParaRPr lang="en-US" altLang="ko-KR">
+              <a:solidFill>
+                <a:schemeClr val="tx2"/>
+              </a:solidFill>
+              <a:latin typeface="+mn-lt"/>
+              <a:ea typeface="+mj-ea"/>
+            </a:endParaRPr>
+          </a:p>
+          <a:p>
+            <a:endParaRPr lang="en-US" altLang="ko-KR">
+              <a:solidFill>
+                <a:schemeClr val="tx2"/>
+              </a:solidFill>
+              <a:latin typeface="+mn-lt"/>
+              <a:ea typeface="+mj-ea"/>
+            </a:endParaRPr>
+          </a:p>
+        </p:txBody>
+      </p:sp>
+      <p:sp>
+        <p:nvSpPr>
+          <p:cNvPr id="49154" name="제목 1"/>
+          <p:cNvSpPr>
+            <a:spLocks noGrp="1"/>
+          </p:cNvSpPr>
+          <p:nvPr>
+            <p:ph type="title"/>
+          </p:nvPr>
+        </p:nvSpPr>
+        <p:spPr bwMode="auto">
+          <a:noFill/>
+          <a:extLst>
+            <a:ext uri="{909E8E84-426E-40DD-AFC4-6F175D3DCCD1}">
+              <a14:hiddenFill xmlns:a14="http://schemas.microsoft.com/office/drawing/2010/main">
+                <a:solidFill>
+                  <a:srgbClr val="FFFFFF"/>
+                </a:solidFill>
+              </a14:hiddenFill>
+            </a:ext>
+            <a:ext uri="{91240B29-F687-4F45-9708-019B960494DF}">
+              <a14:hiddenLine xmlns:a14="http://schemas.microsoft.com/office/drawing/2010/main" w="9525">
+                <a:solidFill>
+                  <a:srgbClr val="000000"/>
+                </a:solidFill>
+                <a:miter lim="800000"/>
+                <a:headEnd/>
+                <a:tailEnd/>
+              </a14:hiddenLine>
+            </a:ext>
+          </a:extLst>
+        </p:spPr>
+        <p:txBody>
+          <a:bodyPr vert="horz" wrap="square" lIns="91440" tIns="45720" rIns="91440" bIns="45720" numCol="1" anchor="t" anchorCtr="0" compatLnSpc="1">
+            <a:prstTxWarp prst="textNoShape">
+              <a:avLst/>
+            </a:prstTxWarp>
+          </a:bodyPr>
+          <a:lstStyle/>
+          <a:p>
+            <a:r>
+              <a:rPr lang="en-US" altLang="ko-KR">
+                <a:latin typeface="+mn-lt"/>
+                <a:ea typeface="+mj-ea"/>
+              </a:rPr>
+              <a:t>8. </a:t>
+            </a:r>
+            <a:r>
+              <a:rPr lang="ko-KR" altLang="en-US">
+                <a:latin typeface="+mn-lt"/>
+                <a:ea typeface="+mj-ea"/>
+              </a:rPr>
+              <a:t>질의 변환 실행</a:t>
+            </a:r>
+            <a:endParaRPr lang="ko-KR" altLang="en-US" sz="1400" dirty="0">
+              <a:latin typeface="+mn-lt"/>
+              <a:ea typeface="+mj-ea"/>
+            </a:endParaRPr>
+          </a:p>
+        </p:txBody>
+      </p:sp>
+      <p:pic>
+        <p:nvPicPr>
+          <p:cNvPr id="4" name="그림 3">
+            <a:extLst>
+              <a:ext uri="{FF2B5EF4-FFF2-40B4-BE49-F238E27FC236}">
+                <a16:creationId xmlns:a16="http://schemas.microsoft.com/office/drawing/2014/main" id="{47FE5E50-2659-1554-0E73-193D2ACAEB5A}"/>
+              </a:ext>
+            </a:extLst>
+          </p:cNvPr>
+          <p:cNvPicPr>
+            <a:picLocks noChangeAspect="1"/>
+          </p:cNvPicPr>
+          <p:nvPr/>
+        </p:nvPicPr>
+        <p:blipFill>
+          <a:blip r:embed="rId2"/>
+          <a:stretch>
+            <a:fillRect/>
+          </a:stretch>
+        </p:blipFill>
+        <p:spPr>
+          <a:xfrm>
+            <a:off x="457200" y="1700808"/>
+            <a:ext cx="7620000" cy="1819275"/>
+          </a:xfrm>
+          <a:prstGeom prst="rect">
+            <a:avLst/>
+          </a:prstGeom>
+        </p:spPr>
+      </p:pic>
+      <p:pic>
+        <p:nvPicPr>
+          <p:cNvPr id="7" name="그림 6">
+            <a:extLst>
+              <a:ext uri="{FF2B5EF4-FFF2-40B4-BE49-F238E27FC236}">
+                <a16:creationId xmlns:a16="http://schemas.microsoft.com/office/drawing/2014/main" id="{208C6371-B9F0-F572-9CE2-D0B16205F6C5}"/>
+              </a:ext>
+            </a:extLst>
+          </p:cNvPr>
+          <p:cNvPicPr>
+            <a:picLocks noChangeAspect="1"/>
+          </p:cNvPicPr>
+          <p:nvPr/>
+        </p:nvPicPr>
+        <p:blipFill>
+          <a:blip r:embed="rId3"/>
+          <a:stretch>
+            <a:fillRect/>
+          </a:stretch>
+        </p:blipFill>
+        <p:spPr>
+          <a:xfrm>
+            <a:off x="395536" y="4259409"/>
+            <a:ext cx="7562850" cy="1876425"/>
+          </a:xfrm>
+          <a:prstGeom prst="rect">
+            <a:avLst/>
+          </a:prstGeom>
+        </p:spPr>
+      </p:pic>
+    </p:spTree>
+    <p:extLst>
+      <p:ext uri="{BB962C8B-B14F-4D97-AF65-F5344CB8AC3E}">
+        <p14:creationId xmlns:p14="http://schemas.microsoft.com/office/powerpoint/2010/main" val="2820950156"/>
+      </p:ext>
+    </p:extLst>
+  </p:cSld>
+  <p:clrMapOvr>
+    <a:masterClrMapping/>
+  </p:clrMapOvr>
+</p:sld>
+</file>
+
 <file path=ppt/slides/slide2.xml><?xml version="1.0" encoding="utf-8"?>
 <p:sld xmlns:a="http://schemas.openxmlformats.org/drawingml/2006/main" xmlns:r="http://schemas.openxmlformats.org/officeDocument/2006/relationships" xmlns:p="http://schemas.openxmlformats.org/presentationml/2006/main">
   <p:cSld>
@@ -3587,196 +4347,233 @@
           </a:p>
         </p:txBody>
       </p:sp>
-      <p:pic>
-        <p:nvPicPr>
-          <p:cNvPr id="4" name="그림 3">
+      <p:grpSp>
+        <p:nvGrpSpPr>
+          <p:cNvPr id="2" name="그룹 1">
             <a:extLst>
               <a:ext uri="{FF2B5EF4-FFF2-40B4-BE49-F238E27FC236}">
-                <a16:creationId xmlns:a16="http://schemas.microsoft.com/office/drawing/2014/main" id="{084630F7-FE0A-C8D2-7ABD-55E4D1CC93D0}"/>
+                <a16:creationId xmlns:a16="http://schemas.microsoft.com/office/drawing/2014/main" id="{51A4A4AA-3101-455C-A829-43337A2A5C9A}"/>
               </a:ext>
             </a:extLst>
           </p:cNvPr>
-          <p:cNvPicPr>
-            <a:picLocks noChangeAspect="1"/>
-          </p:cNvPicPr>
+          <p:cNvGrpSpPr/>
           <p:nvPr/>
-        </p:nvPicPr>
-        <p:blipFill>
-          <a:blip r:embed="rId2"/>
-          <a:stretch>
-            <a:fillRect/>
-          </a:stretch>
-        </p:blipFill>
-        <p:spPr>
+        </p:nvGrpSpPr>
+        <p:grpSpPr>
           <a:xfrm>
-            <a:off x="539552" y="1484784"/>
-            <a:ext cx="8075240" cy="4824536"/>
+            <a:off x="521804" y="1720132"/>
+            <a:ext cx="8100392" cy="4589188"/>
+            <a:chOff x="521804" y="1720132"/>
+            <a:chExt cx="8100392" cy="4589188"/>
           </a:xfrm>
-          <a:prstGeom prst="rect">
-            <a:avLst/>
-          </a:prstGeom>
-        </p:spPr>
-      </p:pic>
-      <p:sp>
-        <p:nvSpPr>
-          <p:cNvPr id="5" name="직사각형 4">
-            <a:extLst>
-              <a:ext uri="{FF2B5EF4-FFF2-40B4-BE49-F238E27FC236}">
-                <a16:creationId xmlns:a16="http://schemas.microsoft.com/office/drawing/2014/main" id="{C7DE3FE7-649F-427E-46D1-81A348AFA3D7}"/>
-              </a:ext>
-            </a:extLst>
-          </p:cNvPr>
-          <p:cNvSpPr/>
-          <p:nvPr/>
-        </p:nvSpPr>
-        <p:spPr>
-          <a:xfrm>
-            <a:off x="529208" y="1844824"/>
-            <a:ext cx="1450504" cy="3096344"/>
-          </a:xfrm>
-          <a:prstGeom prst="rect">
-            <a:avLst/>
-          </a:prstGeom>
-          <a:noFill/>
-          <a:ln>
-            <a:solidFill>
-              <a:srgbClr val="C00000"/>
-            </a:solidFill>
-          </a:ln>
-        </p:spPr>
-        <p:style>
-          <a:lnRef idx="2">
-            <a:schemeClr val="accent6"/>
-          </a:lnRef>
-          <a:fillRef idx="1">
-            <a:schemeClr val="lt1"/>
-          </a:fillRef>
-          <a:effectRef idx="0">
-            <a:schemeClr val="accent6"/>
-          </a:effectRef>
-          <a:fontRef idx="minor">
-            <a:schemeClr val="dk1"/>
-          </a:fontRef>
-        </p:style>
-        <p:txBody>
-          <a:bodyPr rtlCol="0" anchor="ctr"/>
-          <a:lstStyle/>
-          <a:p>
-            <a:pPr algn="ctr"/>
-            <a:r>
-              <a:rPr lang="ko-KR" altLang="en-US" dirty="0"/>
-              <a:t>연결탐색기</a:t>
-            </a:r>
-          </a:p>
-        </p:txBody>
-      </p:sp>
-      <p:sp>
-        <p:nvSpPr>
-          <p:cNvPr id="6" name="직사각형 5">
-            <a:extLst>
-              <a:ext uri="{FF2B5EF4-FFF2-40B4-BE49-F238E27FC236}">
-                <a16:creationId xmlns:a16="http://schemas.microsoft.com/office/drawing/2014/main" id="{531674D6-C2D7-4AE8-72AF-5366C1691BF6}"/>
-              </a:ext>
-            </a:extLst>
-          </p:cNvPr>
-          <p:cNvSpPr/>
-          <p:nvPr/>
-        </p:nvSpPr>
-        <p:spPr>
-          <a:xfrm>
-            <a:off x="1979712" y="1880828"/>
-            <a:ext cx="6624736" cy="756084"/>
-          </a:xfrm>
-          <a:prstGeom prst="rect">
-            <a:avLst/>
-          </a:prstGeom>
-          <a:noFill/>
-          <a:ln>
-            <a:solidFill>
-              <a:srgbClr val="C00000"/>
-            </a:solidFill>
-          </a:ln>
-        </p:spPr>
-        <p:style>
-          <a:lnRef idx="2">
-            <a:schemeClr val="accent6"/>
-          </a:lnRef>
-          <a:fillRef idx="1">
-            <a:schemeClr val="lt1"/>
-          </a:fillRef>
-          <a:effectRef idx="0">
-            <a:schemeClr val="accent6"/>
-          </a:effectRef>
-          <a:fontRef idx="minor">
-            <a:schemeClr val="dk1"/>
-          </a:fontRef>
-        </p:style>
-        <p:txBody>
-          <a:bodyPr rtlCol="0" anchor="ctr"/>
-          <a:lstStyle/>
-          <a:p>
-            <a:pPr algn="ctr"/>
-            <a:r>
-              <a:rPr lang="ko-KR" altLang="en-US" dirty="0" err="1"/>
-              <a:t>질의창</a:t>
-            </a:r>
-            <a:endParaRPr lang="ko-KR" altLang="en-US" dirty="0"/>
-          </a:p>
-        </p:txBody>
-      </p:sp>
-      <p:sp>
-        <p:nvSpPr>
-          <p:cNvPr id="7" name="직사각형 6">
-            <a:extLst>
-              <a:ext uri="{FF2B5EF4-FFF2-40B4-BE49-F238E27FC236}">
-                <a16:creationId xmlns:a16="http://schemas.microsoft.com/office/drawing/2014/main" id="{28C15FA0-1E68-FF7F-84A4-5E39F6A5AA6C}"/>
-              </a:ext>
-            </a:extLst>
-          </p:cNvPr>
-          <p:cNvSpPr/>
-          <p:nvPr/>
-        </p:nvSpPr>
-        <p:spPr>
-          <a:xfrm>
-            <a:off x="1979712" y="2636912"/>
-            <a:ext cx="6624736" cy="3672408"/>
-          </a:xfrm>
-          <a:prstGeom prst="rect">
-            <a:avLst/>
-          </a:prstGeom>
-          <a:noFill/>
-          <a:ln>
-            <a:solidFill>
-              <a:srgbClr val="C00000"/>
-            </a:solidFill>
-          </a:ln>
-        </p:spPr>
-        <p:style>
-          <a:lnRef idx="2">
-            <a:schemeClr val="accent6"/>
-          </a:lnRef>
-          <a:fillRef idx="1">
-            <a:schemeClr val="lt1"/>
-          </a:fillRef>
-          <a:effectRef idx="0">
-            <a:schemeClr val="accent6"/>
-          </a:effectRef>
-          <a:fontRef idx="minor">
-            <a:schemeClr val="dk1"/>
-          </a:fontRef>
-        </p:style>
-        <p:txBody>
-          <a:bodyPr rtlCol="0" anchor="ctr"/>
-          <a:lstStyle/>
-          <a:p>
-            <a:pPr algn="ctr"/>
-            <a:r>
-              <a:rPr lang="ko-KR" altLang="en-US" dirty="0"/>
-              <a:t>시각화 뷰 및 세부정보창</a:t>
-            </a:r>
-          </a:p>
-        </p:txBody>
-      </p:sp>
+        </p:grpSpPr>
+        <p:pic>
+          <p:nvPicPr>
+            <p:cNvPr id="3" name="그림 2">
+              <a:extLst>
+                <a:ext uri="{FF2B5EF4-FFF2-40B4-BE49-F238E27FC236}">
+                  <a16:creationId xmlns:a16="http://schemas.microsoft.com/office/drawing/2014/main" id="{046AE0B2-3488-EE99-0B4E-4A0A4C6C5586}"/>
+                </a:ext>
+              </a:extLst>
+            </p:cNvPr>
+            <p:cNvPicPr>
+              <a:picLocks noChangeAspect="1"/>
+            </p:cNvPicPr>
+            <p:nvPr/>
+          </p:nvPicPr>
+          <p:blipFill>
+            <a:blip r:embed="rId2"/>
+            <a:stretch>
+              <a:fillRect/>
+            </a:stretch>
+          </p:blipFill>
+          <p:spPr>
+            <a:xfrm>
+              <a:off x="521804" y="1720132"/>
+              <a:ext cx="8100392" cy="4589188"/>
+            </a:xfrm>
+            <a:prstGeom prst="rect">
+              <a:avLst/>
+            </a:prstGeom>
+          </p:spPr>
+        </p:pic>
+        <p:sp>
+          <p:nvSpPr>
+            <p:cNvPr id="8" name="직사각형 7">
+              <a:extLst>
+                <a:ext uri="{FF2B5EF4-FFF2-40B4-BE49-F238E27FC236}">
+                  <a16:creationId xmlns:a16="http://schemas.microsoft.com/office/drawing/2014/main" id="{0277DFD7-2F67-BDD4-7F9E-6A52AA9B92F1}"/>
+                </a:ext>
+              </a:extLst>
+            </p:cNvPr>
+            <p:cNvSpPr/>
+            <p:nvPr/>
+          </p:nvSpPr>
+          <p:spPr>
+            <a:xfrm>
+              <a:off x="529208" y="1844824"/>
+              <a:ext cx="2458616" cy="3960440"/>
+            </a:xfrm>
+            <a:prstGeom prst="rect">
+              <a:avLst/>
+            </a:prstGeom>
+            <a:noFill/>
+            <a:ln>
+              <a:solidFill>
+                <a:srgbClr val="C00000"/>
+              </a:solidFill>
+            </a:ln>
+          </p:spPr>
+          <p:style>
+            <a:lnRef idx="2">
+              <a:schemeClr val="accent6"/>
+            </a:lnRef>
+            <a:fillRef idx="1">
+              <a:schemeClr val="lt1"/>
+            </a:fillRef>
+            <a:effectRef idx="0">
+              <a:schemeClr val="accent6"/>
+            </a:effectRef>
+            <a:fontRef idx="minor">
+              <a:schemeClr val="dk1"/>
+            </a:fontRef>
+          </p:style>
+          <p:txBody>
+            <a:bodyPr rtlCol="0" anchor="ctr"/>
+            <a:lstStyle/>
+            <a:p>
+              <a:pPr algn="ctr"/>
+              <a:r>
+                <a:rPr lang="ko-KR" altLang="en-US" dirty="0">
+                  <a:latin typeface="나눔고딕" panose="020D0604000000000000" pitchFamily="50" charset="-127"/>
+                  <a:ea typeface="나눔고딕" panose="020D0604000000000000" pitchFamily="50" charset="-127"/>
+                </a:rPr>
+                <a:t>연결탐색기</a:t>
+              </a:r>
+            </a:p>
+          </p:txBody>
+        </p:sp>
+        <p:sp>
+          <p:nvSpPr>
+            <p:cNvPr id="9" name="직사각형 8">
+              <a:extLst>
+                <a:ext uri="{FF2B5EF4-FFF2-40B4-BE49-F238E27FC236}">
+                  <a16:creationId xmlns:a16="http://schemas.microsoft.com/office/drawing/2014/main" id="{BADCF686-22CB-CB6D-5D24-B8AC4E58C8E2}"/>
+                </a:ext>
+              </a:extLst>
+            </p:cNvPr>
+            <p:cNvSpPr/>
+            <p:nvPr/>
+          </p:nvSpPr>
+          <p:spPr>
+            <a:xfrm>
+              <a:off x="2987824" y="1880828"/>
+              <a:ext cx="5616624" cy="1404156"/>
+            </a:xfrm>
+            <a:prstGeom prst="rect">
+              <a:avLst/>
+            </a:prstGeom>
+            <a:noFill/>
+            <a:ln>
+              <a:solidFill>
+                <a:srgbClr val="C00000"/>
+              </a:solidFill>
+            </a:ln>
+          </p:spPr>
+          <p:style>
+            <a:lnRef idx="2">
+              <a:schemeClr val="accent6"/>
+            </a:lnRef>
+            <a:fillRef idx="1">
+              <a:schemeClr val="lt1"/>
+            </a:fillRef>
+            <a:effectRef idx="0">
+              <a:schemeClr val="accent6"/>
+            </a:effectRef>
+            <a:fontRef idx="minor">
+              <a:schemeClr val="dk1"/>
+            </a:fontRef>
+          </p:style>
+          <p:txBody>
+            <a:bodyPr rtlCol="0" anchor="ctr"/>
+            <a:lstStyle/>
+            <a:p>
+              <a:pPr algn="ctr"/>
+              <a:r>
+                <a:rPr lang="ko-KR" altLang="en-US" dirty="0" err="1">
+                  <a:latin typeface="나눔고딕" panose="020D0604000000000000" pitchFamily="50" charset="-127"/>
+                  <a:ea typeface="나눔고딕" panose="020D0604000000000000" pitchFamily="50" charset="-127"/>
+                </a:rPr>
+                <a:t>질의창</a:t>
+              </a:r>
+              <a:endParaRPr lang="ko-KR" altLang="en-US" dirty="0">
+                <a:latin typeface="나눔고딕" panose="020D0604000000000000" pitchFamily="50" charset="-127"/>
+                <a:ea typeface="나눔고딕" panose="020D0604000000000000" pitchFamily="50" charset="-127"/>
+              </a:endParaRPr>
+            </a:p>
+          </p:txBody>
+        </p:sp>
+        <p:sp>
+          <p:nvSpPr>
+            <p:cNvPr id="10" name="직사각형 9">
+              <a:extLst>
+                <a:ext uri="{FF2B5EF4-FFF2-40B4-BE49-F238E27FC236}">
+                  <a16:creationId xmlns:a16="http://schemas.microsoft.com/office/drawing/2014/main" id="{E31BDFF3-1066-D294-B91F-14330B1ED2EB}"/>
+                </a:ext>
+              </a:extLst>
+            </p:cNvPr>
+            <p:cNvSpPr/>
+            <p:nvPr/>
+          </p:nvSpPr>
+          <p:spPr>
+            <a:xfrm>
+              <a:off x="2987824" y="3284984"/>
+              <a:ext cx="5616624" cy="3024336"/>
+            </a:xfrm>
+            <a:prstGeom prst="rect">
+              <a:avLst/>
+            </a:prstGeom>
+            <a:noFill/>
+            <a:ln>
+              <a:solidFill>
+                <a:srgbClr val="C00000"/>
+              </a:solidFill>
+            </a:ln>
+          </p:spPr>
+          <p:style>
+            <a:lnRef idx="2">
+              <a:schemeClr val="accent6"/>
+            </a:lnRef>
+            <a:fillRef idx="1">
+              <a:schemeClr val="lt1"/>
+            </a:fillRef>
+            <a:effectRef idx="0">
+              <a:schemeClr val="accent6"/>
+            </a:effectRef>
+            <a:fontRef idx="minor">
+              <a:schemeClr val="dk1"/>
+            </a:fontRef>
+          </p:style>
+          <p:txBody>
+            <a:bodyPr rtlCol="0" anchor="ctr"/>
+            <a:lstStyle/>
+            <a:p>
+              <a:pPr algn="ctr"/>
+              <a:r>
+                <a:rPr lang="ko-KR" altLang="en-US">
+                  <a:latin typeface="나눔고딕" panose="020D0604000000000000" pitchFamily="50" charset="-127"/>
+                  <a:ea typeface="나눔고딕" panose="020D0604000000000000" pitchFamily="50" charset="-127"/>
+                </a:rPr>
+                <a:t>시각화 뷰</a:t>
+              </a:r>
+              <a:endParaRPr lang="ko-KR" altLang="en-US" dirty="0">
+                <a:latin typeface="나눔고딕" panose="020D0604000000000000" pitchFamily="50" charset="-127"/>
+                <a:ea typeface="나눔고딕" panose="020D0604000000000000" pitchFamily="50" charset="-127"/>
+              </a:endParaRPr>
+            </a:p>
+          </p:txBody>
+        </p:sp>
+      </p:grpSp>
     </p:spTree>
     <p:extLst>
       <p:ext uri="{BB962C8B-B14F-4D97-AF65-F5344CB8AC3E}">
@@ -3900,16 +4697,22 @@
           <a:lstStyle/>
           <a:p>
             <a:r>
-              <a:rPr lang="ko-KR" altLang="en-US" dirty="0">
+              <a:rPr lang="ko-KR" altLang="en-US">
                 <a:latin typeface="+mn-lt"/>
               </a:rPr>
               <a:t>연결된 </a:t>
             </a:r>
             <a:r>
+              <a:rPr lang="en-US" altLang="ko-KR">
+                <a:latin typeface="+mn-lt"/>
+              </a:rPr>
+              <a:t>demodb </a:t>
+            </a:r>
+            <a:r>
               <a:rPr lang="en-US" altLang="ko-KR" dirty="0">
                 <a:latin typeface="+mn-lt"/>
               </a:rPr>
-              <a:t>neo4j Database</a:t>
+              <a:t>Database</a:t>
             </a:r>
             <a:r>
               <a:rPr lang="ko-KR" altLang="en-US" dirty="0">
@@ -4034,10 +4837,10 @@
       </p:sp>
       <p:pic>
         <p:nvPicPr>
-          <p:cNvPr id="3" name="그림 2">
+          <p:cNvPr id="4" name="그림 3">
             <a:extLst>
               <a:ext uri="{FF2B5EF4-FFF2-40B4-BE49-F238E27FC236}">
-                <a16:creationId xmlns:a16="http://schemas.microsoft.com/office/drawing/2014/main" id="{ED552CF3-4A31-F794-E3C7-8CD2D54F6FB5}"/>
+                <a16:creationId xmlns:a16="http://schemas.microsoft.com/office/drawing/2014/main" id="{408B22CE-E5E6-B746-054D-E8B9CA784DAE}"/>
               </a:ext>
             </a:extLst>
           </p:cNvPr>
@@ -4054,8 +4857,8 @@
         </p:blipFill>
         <p:spPr>
           <a:xfrm>
-            <a:off x="611560" y="1937670"/>
-            <a:ext cx="4381428" cy="3832770"/>
+            <a:off x="611560" y="2060848"/>
+            <a:ext cx="6053484" cy="3958355"/>
           </a:xfrm>
           <a:prstGeom prst="rect">
             <a:avLst/>
@@ -4331,10 +5134,10 @@
       </p:cxnSp>
       <p:pic>
         <p:nvPicPr>
-          <p:cNvPr id="2" name="그림 1">
+          <p:cNvPr id="3" name="그림 2">
             <a:extLst>
               <a:ext uri="{FF2B5EF4-FFF2-40B4-BE49-F238E27FC236}">
-                <a16:creationId xmlns:a16="http://schemas.microsoft.com/office/drawing/2014/main" id="{C059F395-3409-C38F-66C9-71217342B325}"/>
+                <a16:creationId xmlns:a16="http://schemas.microsoft.com/office/drawing/2014/main" id="{5F82C647-8270-7E33-AB33-93BBF35D0BE7}"/>
               </a:ext>
             </a:extLst>
           </p:cNvPr>
@@ -4351,8 +5154,8 @@
         </p:blipFill>
         <p:spPr>
           <a:xfrm>
-            <a:off x="442428" y="2132856"/>
-            <a:ext cx="3312368" cy="3832770"/>
+            <a:off x="576791" y="2924944"/>
+            <a:ext cx="3274992" cy="2141507"/>
           </a:xfrm>
           <a:prstGeom prst="rect">
             <a:avLst/>
@@ -4361,10 +5164,10 @@
       </p:pic>
       <p:pic>
         <p:nvPicPr>
-          <p:cNvPr id="6" name="그림 5">
+          <p:cNvPr id="5" name="그림 4">
             <a:extLst>
               <a:ext uri="{FF2B5EF4-FFF2-40B4-BE49-F238E27FC236}">
-                <a16:creationId xmlns:a16="http://schemas.microsoft.com/office/drawing/2014/main" id="{EE3B94B5-20C0-ED5C-68CD-7E5897DD6CC4}"/>
+                <a16:creationId xmlns:a16="http://schemas.microsoft.com/office/drawing/2014/main" id="{73C20060-AF6D-C6D7-8191-1DC0D420CFE3}"/>
               </a:ext>
             </a:extLst>
           </p:cNvPr>
@@ -4381,8 +5184,8 @@
         </p:blipFill>
         <p:spPr>
           <a:xfrm>
-            <a:off x="4592543" y="2924944"/>
-            <a:ext cx="3867889" cy="2133715"/>
+            <a:off x="4653221" y="2659122"/>
+            <a:ext cx="3607224" cy="2547868"/>
           </a:xfrm>
           <a:prstGeom prst="rect">
             <a:avLst/>
@@ -5693,6 +6496,625 @@
     <p:extLst>
       <p:ext uri="{BB962C8B-B14F-4D97-AF65-F5344CB8AC3E}">
         <p14:creationId xmlns:p14="http://schemas.microsoft.com/office/powerpoint/2010/main" val="2452019560"/>
+      </p:ext>
+    </p:extLst>
+  </p:cSld>
+  <p:clrMapOvr>
+    <a:masterClrMapping/>
+  </p:clrMapOvr>
+</p:sld>
+</file>
+
+<file path=ppt/slides/slide8.xml><?xml version="1.0" encoding="utf-8"?>
+<p:sld xmlns:a="http://schemas.openxmlformats.org/drawingml/2006/main" xmlns:r="http://schemas.openxmlformats.org/officeDocument/2006/relationships" xmlns:p="http://schemas.openxmlformats.org/presentationml/2006/main">
+  <p:cSld>
+    <p:spTree>
+      <p:nvGrpSpPr>
+        <p:cNvPr id="1" name=""/>
+        <p:cNvGrpSpPr/>
+        <p:nvPr/>
+      </p:nvGrpSpPr>
+      <p:grpSpPr>
+        <a:xfrm>
+          <a:off x="0" y="0"/>
+          <a:ext cx="0" cy="0"/>
+          <a:chOff x="0" y="0"/>
+          <a:chExt cx="0" cy="0"/>
+        </a:xfrm>
+      </p:grpSpPr>
+      <p:sp>
+        <p:nvSpPr>
+          <p:cNvPr id="49156" name="내용 개체 틀 4"/>
+          <p:cNvSpPr>
+            <a:spLocks noGrp="1"/>
+          </p:cNvSpPr>
+          <p:nvPr>
+            <p:ph idx="1"/>
+          </p:nvPr>
+        </p:nvSpPr>
+        <p:spPr bwMode="auto">
+          <a:noFill/>
+          <a:extLst>
+            <a:ext uri="{909E8E84-426E-40DD-AFC4-6F175D3DCCD1}">
+              <a14:hiddenFill xmlns:a14="http://schemas.microsoft.com/office/drawing/2010/main">
+                <a:solidFill>
+                  <a:srgbClr val="FFFFFF"/>
+                </a:solidFill>
+              </a14:hiddenFill>
+            </a:ext>
+            <a:ext uri="{91240B29-F687-4F45-9708-019B960494DF}">
+              <a14:hiddenLine xmlns:a14="http://schemas.microsoft.com/office/drawing/2010/main" w="9525">
+                <a:solidFill>
+                  <a:srgbClr val="000000"/>
+                </a:solidFill>
+                <a:miter lim="800000"/>
+                <a:headEnd/>
+                <a:tailEnd/>
+              </a14:hiddenLine>
+            </a:ext>
+          </a:extLst>
+        </p:spPr>
+        <p:txBody>
+          <a:bodyPr vert="horz" wrap="square" lIns="91440" tIns="45720" rIns="91440" bIns="45720" numCol="1" anchor="t" anchorCtr="0" compatLnSpc="1">
+            <a:prstTxWarp prst="textNoShape">
+              <a:avLst/>
+            </a:prstTxWarp>
+          </a:bodyPr>
+          <a:lstStyle/>
+          <a:p>
+            <a:pPr>
+              <a:buFontTx/>
+              <a:buChar char="-"/>
+            </a:pPr>
+            <a:r>
+              <a:rPr lang="en-US" altLang="ko-KR">
+                <a:latin typeface="+mn-lt"/>
+                <a:ea typeface="+mj-ea"/>
+              </a:rPr>
+              <a:t>Label </a:t>
+            </a:r>
+            <a:r>
+              <a:rPr lang="ko-KR" altLang="en-US">
+                <a:latin typeface="+mn-lt"/>
+                <a:ea typeface="+mj-ea"/>
+              </a:rPr>
+              <a:t>콤보박스를 선택하여 </a:t>
+            </a:r>
+            <a:r>
+              <a:rPr lang="en-US" altLang="ko-KR">
+                <a:latin typeface="+mn-lt"/>
+                <a:ea typeface="+mj-ea"/>
+              </a:rPr>
+              <a:t>Label</a:t>
+            </a:r>
+            <a:r>
+              <a:rPr lang="ko-KR" altLang="en-US">
+                <a:latin typeface="+mn-lt"/>
+                <a:ea typeface="+mj-ea"/>
+              </a:rPr>
+              <a:t>이 리스트가 정상적으로 표시되는 지 확인 한다</a:t>
+            </a:r>
+            <a:r>
+              <a:rPr lang="en-US" altLang="ko-KR">
+                <a:latin typeface="+mn-lt"/>
+                <a:ea typeface="+mj-ea"/>
+              </a:rPr>
+              <a:t>.</a:t>
+            </a:r>
+          </a:p>
+          <a:p>
+            <a:pPr>
+              <a:buFontTx/>
+              <a:buChar char="-"/>
+            </a:pPr>
+            <a:r>
+              <a:rPr lang="en-US" altLang="ko-KR">
+                <a:latin typeface="+mn-lt"/>
+                <a:ea typeface="+mj-ea"/>
+              </a:rPr>
+              <a:t>Properties </a:t>
+            </a:r>
+            <a:r>
+              <a:rPr lang="ko-KR" altLang="en-US">
+                <a:latin typeface="+mn-lt"/>
+                <a:ea typeface="+mj-ea"/>
+              </a:rPr>
+              <a:t>콤보박스를 선택하여 </a:t>
+            </a:r>
+            <a:r>
+              <a:rPr lang="en-US" altLang="ko-KR">
+                <a:latin typeface="+mn-lt"/>
+                <a:ea typeface="+mj-ea"/>
+              </a:rPr>
+              <a:t>Properties</a:t>
+            </a:r>
+            <a:r>
+              <a:rPr lang="ko-KR" altLang="en-US">
+                <a:latin typeface="+mn-lt"/>
+                <a:ea typeface="+mj-ea"/>
+              </a:rPr>
+              <a:t> 리스트가 정상적으로 표시되는지 확인 한다</a:t>
+            </a:r>
+            <a:r>
+              <a:rPr lang="en-US" altLang="ko-KR">
+                <a:latin typeface="+mn-lt"/>
+                <a:ea typeface="+mj-ea"/>
+              </a:rPr>
+              <a:t>.</a:t>
+            </a:r>
+            <a:endParaRPr lang="en-US" altLang="ko-KR" dirty="0">
+              <a:latin typeface="+mn-lt"/>
+              <a:ea typeface="+mj-ea"/>
+            </a:endParaRPr>
+          </a:p>
+        </p:txBody>
+      </p:sp>
+      <p:sp>
+        <p:nvSpPr>
+          <p:cNvPr id="49154" name="제목 1"/>
+          <p:cNvSpPr>
+            <a:spLocks noGrp="1"/>
+          </p:cNvSpPr>
+          <p:nvPr>
+            <p:ph type="title"/>
+          </p:nvPr>
+        </p:nvSpPr>
+        <p:spPr bwMode="auto">
+          <a:noFill/>
+          <a:extLst>
+            <a:ext uri="{909E8E84-426E-40DD-AFC4-6F175D3DCCD1}">
+              <a14:hiddenFill xmlns:a14="http://schemas.microsoft.com/office/drawing/2010/main">
+                <a:solidFill>
+                  <a:srgbClr val="FFFFFF"/>
+                </a:solidFill>
+              </a14:hiddenFill>
+            </a:ext>
+            <a:ext uri="{91240B29-F687-4F45-9708-019B960494DF}">
+              <a14:hiddenLine xmlns:a14="http://schemas.microsoft.com/office/drawing/2010/main" w="9525">
+                <a:solidFill>
+                  <a:srgbClr val="000000"/>
+                </a:solidFill>
+                <a:miter lim="800000"/>
+                <a:headEnd/>
+                <a:tailEnd/>
+              </a14:hiddenLine>
+            </a:ext>
+          </a:extLst>
+        </p:spPr>
+        <p:txBody>
+          <a:bodyPr vert="horz" wrap="square" lIns="91440" tIns="45720" rIns="91440" bIns="45720" numCol="1" anchor="t" anchorCtr="0" compatLnSpc="1">
+            <a:prstTxWarp prst="textNoShape">
+              <a:avLst/>
+            </a:prstTxWarp>
+          </a:bodyPr>
+          <a:lstStyle/>
+          <a:p>
+            <a:r>
+              <a:rPr lang="en-US" altLang="ko-KR" dirty="0">
+                <a:latin typeface="+mn-lt"/>
+                <a:ea typeface="+mj-ea"/>
+              </a:rPr>
+              <a:t>5</a:t>
+            </a:r>
+            <a:r>
+              <a:rPr lang="en-US" altLang="ko-KR">
+                <a:latin typeface="+mn-lt"/>
+                <a:ea typeface="+mj-ea"/>
+              </a:rPr>
+              <a:t>. </a:t>
+            </a:r>
+            <a:r>
+              <a:rPr lang="ko-KR" altLang="en-US">
+                <a:latin typeface="+mn-lt"/>
+                <a:ea typeface="+mj-ea"/>
+              </a:rPr>
+              <a:t>질의 변환 </a:t>
+            </a:r>
+            <a:r>
+              <a:rPr lang="en-US" altLang="ko-KR">
+                <a:latin typeface="+mn-lt"/>
+                <a:ea typeface="+mj-ea"/>
+              </a:rPr>
+              <a:t>– </a:t>
+            </a:r>
+            <a:r>
+              <a:rPr lang="ko-KR" altLang="en-US">
+                <a:latin typeface="+mn-lt"/>
+                <a:ea typeface="+mj-ea"/>
+              </a:rPr>
+              <a:t>정점 </a:t>
+            </a:r>
+            <a:r>
+              <a:rPr lang="en-US" altLang="ko-KR">
+                <a:latin typeface="+mn-lt"/>
+                <a:ea typeface="+mj-ea"/>
+              </a:rPr>
+              <a:t>Label, Properties </a:t>
+            </a:r>
+            <a:r>
+              <a:rPr lang="ko-KR" altLang="en-US">
+                <a:latin typeface="+mn-lt"/>
+                <a:ea typeface="+mj-ea"/>
+              </a:rPr>
+              <a:t>확인</a:t>
+            </a:r>
+            <a:endParaRPr lang="ko-KR" altLang="en-US" sz="1400" dirty="0">
+              <a:latin typeface="+mn-lt"/>
+              <a:ea typeface="+mj-ea"/>
+            </a:endParaRPr>
+          </a:p>
+        </p:txBody>
+      </p:sp>
+      <p:pic>
+        <p:nvPicPr>
+          <p:cNvPr id="4" name="그림 3">
+            <a:extLst>
+              <a:ext uri="{FF2B5EF4-FFF2-40B4-BE49-F238E27FC236}">
+                <a16:creationId xmlns:a16="http://schemas.microsoft.com/office/drawing/2014/main" id="{819E490D-D695-E3D6-CC33-8B84E7D4219C}"/>
+              </a:ext>
+            </a:extLst>
+          </p:cNvPr>
+          <p:cNvPicPr>
+            <a:picLocks noChangeAspect="1"/>
+          </p:cNvPicPr>
+          <p:nvPr/>
+        </p:nvPicPr>
+        <p:blipFill>
+          <a:blip r:embed="rId2"/>
+          <a:stretch>
+            <a:fillRect/>
+          </a:stretch>
+        </p:blipFill>
+        <p:spPr>
+          <a:xfrm>
+            <a:off x="485800" y="2492895"/>
+            <a:ext cx="3908904" cy="2733675"/>
+          </a:xfrm>
+          <a:prstGeom prst="rect">
+            <a:avLst/>
+          </a:prstGeom>
+        </p:spPr>
+      </p:pic>
+      <p:pic>
+        <p:nvPicPr>
+          <p:cNvPr id="7" name="그림 6">
+            <a:extLst>
+              <a:ext uri="{FF2B5EF4-FFF2-40B4-BE49-F238E27FC236}">
+                <a16:creationId xmlns:a16="http://schemas.microsoft.com/office/drawing/2014/main" id="{6C78F0B7-091C-6687-C4C6-9A85EF6F4825}"/>
+              </a:ext>
+            </a:extLst>
+          </p:cNvPr>
+          <p:cNvPicPr>
+            <a:picLocks noChangeAspect="1"/>
+          </p:cNvPicPr>
+          <p:nvPr/>
+        </p:nvPicPr>
+        <p:blipFill>
+          <a:blip r:embed="rId3"/>
+          <a:stretch>
+            <a:fillRect/>
+          </a:stretch>
+        </p:blipFill>
+        <p:spPr>
+          <a:xfrm>
+            <a:off x="4572001" y="2492896"/>
+            <a:ext cx="3831450" cy="2733675"/>
+          </a:xfrm>
+          <a:prstGeom prst="rect">
+            <a:avLst/>
+          </a:prstGeom>
+        </p:spPr>
+      </p:pic>
+    </p:spTree>
+    <p:extLst>
+      <p:ext uri="{BB962C8B-B14F-4D97-AF65-F5344CB8AC3E}">
+        <p14:creationId xmlns:p14="http://schemas.microsoft.com/office/powerpoint/2010/main" val="48686077"/>
+      </p:ext>
+    </p:extLst>
+  </p:cSld>
+  <p:clrMapOvr>
+    <a:masterClrMapping/>
+  </p:clrMapOvr>
+</p:sld>
+</file>
+
+<file path=ppt/slides/slide9.xml><?xml version="1.0" encoding="utf-8"?>
+<p:sld xmlns:a="http://schemas.openxmlformats.org/drawingml/2006/main" xmlns:r="http://schemas.openxmlformats.org/officeDocument/2006/relationships" xmlns:p="http://schemas.openxmlformats.org/presentationml/2006/main">
+  <p:cSld>
+    <p:spTree>
+      <p:nvGrpSpPr>
+        <p:cNvPr id="1" name=""/>
+        <p:cNvGrpSpPr/>
+        <p:nvPr/>
+      </p:nvGrpSpPr>
+      <p:grpSpPr>
+        <a:xfrm>
+          <a:off x="0" y="0"/>
+          <a:ext cx="0" cy="0"/>
+          <a:chOff x="0" y="0"/>
+          <a:chExt cx="0" cy="0"/>
+        </a:xfrm>
+      </p:grpSpPr>
+      <p:sp>
+        <p:nvSpPr>
+          <p:cNvPr id="49156" name="내용 개체 틀 4"/>
+          <p:cNvSpPr>
+            <a:spLocks noGrp="1"/>
+          </p:cNvSpPr>
+          <p:nvPr>
+            <p:ph idx="1"/>
+          </p:nvPr>
+        </p:nvSpPr>
+        <p:spPr bwMode="auto">
+          <a:noFill/>
+          <a:extLst>
+            <a:ext uri="{909E8E84-426E-40DD-AFC4-6F175D3DCCD1}">
+              <a14:hiddenFill xmlns:a14="http://schemas.microsoft.com/office/drawing/2010/main">
+                <a:solidFill>
+                  <a:srgbClr val="FFFFFF"/>
+                </a:solidFill>
+              </a14:hiddenFill>
+            </a:ext>
+            <a:ext uri="{91240B29-F687-4F45-9708-019B960494DF}">
+              <a14:hiddenLine xmlns:a14="http://schemas.microsoft.com/office/drawing/2010/main" w="9525">
+                <a:solidFill>
+                  <a:srgbClr val="000000"/>
+                </a:solidFill>
+                <a:miter lim="800000"/>
+                <a:headEnd/>
+                <a:tailEnd/>
+              </a14:hiddenLine>
+            </a:ext>
+          </a:extLst>
+        </p:spPr>
+        <p:txBody>
+          <a:bodyPr vert="horz" wrap="square" lIns="91440" tIns="45720" rIns="91440" bIns="45720" numCol="1" anchor="t" anchorCtr="0" compatLnSpc="1">
+            <a:prstTxWarp prst="textNoShape">
+              <a:avLst/>
+            </a:prstTxWarp>
+          </a:bodyPr>
+          <a:lstStyle/>
+          <a:p>
+            <a:pPr>
+              <a:buFontTx/>
+              <a:buChar char="-"/>
+            </a:pPr>
+            <a:r>
+              <a:rPr lang="en-US" altLang="ko-KR">
+                <a:latin typeface="+mn-lt"/>
+                <a:ea typeface="+mj-ea"/>
+              </a:rPr>
+              <a:t>Label </a:t>
+            </a:r>
+            <a:r>
+              <a:rPr lang="ko-KR" altLang="en-US">
+                <a:latin typeface="+mn-lt"/>
+                <a:ea typeface="+mj-ea"/>
+              </a:rPr>
+              <a:t>콤보박스를 선택하여 </a:t>
+            </a:r>
+            <a:r>
+              <a:rPr lang="en-US" altLang="ko-KR">
+                <a:latin typeface="+mn-lt"/>
+                <a:ea typeface="+mj-ea"/>
+              </a:rPr>
+              <a:t>Label</a:t>
+            </a:r>
+            <a:r>
+              <a:rPr lang="ko-KR" altLang="en-US">
+                <a:latin typeface="+mn-lt"/>
+                <a:ea typeface="+mj-ea"/>
+              </a:rPr>
+              <a:t>이 리스트가 정상적으로 표시되는 지 확인 한다</a:t>
+            </a:r>
+            <a:r>
+              <a:rPr lang="en-US" altLang="ko-KR">
+                <a:latin typeface="+mn-lt"/>
+                <a:ea typeface="+mj-ea"/>
+              </a:rPr>
+              <a:t>.</a:t>
+            </a:r>
+          </a:p>
+          <a:p>
+            <a:pPr>
+              <a:buFontTx/>
+              <a:buChar char="-"/>
+            </a:pPr>
+            <a:r>
+              <a:rPr lang="en-US" altLang="ko-KR">
+                <a:latin typeface="+mn-lt"/>
+                <a:ea typeface="+mj-ea"/>
+              </a:rPr>
+              <a:t>Properties </a:t>
+            </a:r>
+            <a:r>
+              <a:rPr lang="ko-KR" altLang="en-US">
+                <a:latin typeface="+mn-lt"/>
+                <a:ea typeface="+mj-ea"/>
+              </a:rPr>
+              <a:t>콤보박스를 선택하여 </a:t>
+            </a:r>
+            <a:r>
+              <a:rPr lang="en-US" altLang="ko-KR">
+                <a:latin typeface="+mn-lt"/>
+                <a:ea typeface="+mj-ea"/>
+              </a:rPr>
+              <a:t>Properties</a:t>
+            </a:r>
+            <a:r>
+              <a:rPr lang="ko-KR" altLang="en-US">
+                <a:latin typeface="+mn-lt"/>
+                <a:ea typeface="+mj-ea"/>
+              </a:rPr>
+              <a:t> 리스트가 정상적으로 표시되는지 확인 한다</a:t>
+            </a:r>
+            <a:r>
+              <a:rPr lang="en-US" altLang="ko-KR">
+                <a:latin typeface="+mn-lt"/>
+                <a:ea typeface="+mj-ea"/>
+              </a:rPr>
+              <a:t>.</a:t>
+            </a:r>
+            <a:endParaRPr lang="en-US" altLang="ko-KR" dirty="0">
+              <a:latin typeface="+mn-lt"/>
+              <a:ea typeface="+mj-ea"/>
+            </a:endParaRPr>
+          </a:p>
+        </p:txBody>
+      </p:sp>
+      <p:sp>
+        <p:nvSpPr>
+          <p:cNvPr id="49154" name="제목 1"/>
+          <p:cNvSpPr>
+            <a:spLocks noGrp="1"/>
+          </p:cNvSpPr>
+          <p:nvPr>
+            <p:ph type="title"/>
+          </p:nvPr>
+        </p:nvSpPr>
+        <p:spPr bwMode="auto">
+          <a:noFill/>
+          <a:extLst>
+            <a:ext uri="{909E8E84-426E-40DD-AFC4-6F175D3DCCD1}">
+              <a14:hiddenFill xmlns:a14="http://schemas.microsoft.com/office/drawing/2010/main">
+                <a:solidFill>
+                  <a:srgbClr val="FFFFFF"/>
+                </a:solidFill>
+              </a14:hiddenFill>
+            </a:ext>
+            <a:ext uri="{91240B29-F687-4F45-9708-019B960494DF}">
+              <a14:hiddenLine xmlns:a14="http://schemas.microsoft.com/office/drawing/2010/main" w="9525">
+                <a:solidFill>
+                  <a:srgbClr val="000000"/>
+                </a:solidFill>
+                <a:miter lim="800000"/>
+                <a:headEnd/>
+                <a:tailEnd/>
+              </a14:hiddenLine>
+            </a:ext>
+          </a:extLst>
+        </p:spPr>
+        <p:txBody>
+          <a:bodyPr vert="horz" wrap="square" lIns="91440" tIns="45720" rIns="91440" bIns="45720" numCol="1" anchor="t" anchorCtr="0" compatLnSpc="1">
+            <a:prstTxWarp prst="textNoShape">
+              <a:avLst/>
+            </a:prstTxWarp>
+          </a:bodyPr>
+          <a:lstStyle/>
+          <a:p>
+            <a:r>
+              <a:rPr lang="en-US" altLang="ko-KR">
+                <a:latin typeface="+mn-lt"/>
+                <a:ea typeface="+mj-ea"/>
+              </a:rPr>
+              <a:t>6. </a:t>
+            </a:r>
+            <a:r>
+              <a:rPr lang="ko-KR" altLang="en-US">
+                <a:latin typeface="+mn-lt"/>
+                <a:ea typeface="+mj-ea"/>
+              </a:rPr>
+              <a:t>질의 변환 </a:t>
+            </a:r>
+            <a:r>
+              <a:rPr lang="en-US" altLang="ko-KR">
+                <a:latin typeface="+mn-lt"/>
+                <a:ea typeface="+mj-ea"/>
+              </a:rPr>
+              <a:t>– </a:t>
+            </a:r>
+            <a:r>
+              <a:rPr lang="ko-KR" altLang="en-US">
+                <a:latin typeface="+mn-lt"/>
+                <a:ea typeface="+mj-ea"/>
+              </a:rPr>
+              <a:t>간선 </a:t>
+            </a:r>
+            <a:r>
+              <a:rPr lang="en-US" altLang="ko-KR">
+                <a:latin typeface="+mn-lt"/>
+                <a:ea typeface="+mj-ea"/>
+              </a:rPr>
+              <a:t>Label, Properties </a:t>
+            </a:r>
+            <a:r>
+              <a:rPr lang="ko-KR" altLang="en-US">
+                <a:latin typeface="+mn-lt"/>
+                <a:ea typeface="+mj-ea"/>
+              </a:rPr>
+              <a:t>확인</a:t>
+            </a:r>
+            <a:endParaRPr lang="ko-KR" altLang="en-US" sz="1400" dirty="0">
+              <a:latin typeface="+mn-lt"/>
+              <a:ea typeface="+mj-ea"/>
+            </a:endParaRPr>
+          </a:p>
+        </p:txBody>
+      </p:sp>
+      <p:pic>
+        <p:nvPicPr>
+          <p:cNvPr id="3" name="그림 2">
+            <a:extLst>
+              <a:ext uri="{FF2B5EF4-FFF2-40B4-BE49-F238E27FC236}">
+                <a16:creationId xmlns:a16="http://schemas.microsoft.com/office/drawing/2014/main" id="{2CBD6972-F789-9131-678A-8E5B2F94EFF7}"/>
+              </a:ext>
+            </a:extLst>
+          </p:cNvPr>
+          <p:cNvPicPr>
+            <a:picLocks noChangeAspect="1"/>
+          </p:cNvPicPr>
+          <p:nvPr/>
+        </p:nvPicPr>
+        <p:blipFill>
+          <a:blip r:embed="rId2"/>
+          <a:stretch>
+            <a:fillRect/>
+          </a:stretch>
+        </p:blipFill>
+        <p:spPr>
+          <a:xfrm>
+            <a:off x="971600" y="2708920"/>
+            <a:ext cx="2924175" cy="2552700"/>
+          </a:xfrm>
+          <a:prstGeom prst="rect">
+            <a:avLst/>
+          </a:prstGeom>
+        </p:spPr>
+      </p:pic>
+      <p:pic>
+        <p:nvPicPr>
+          <p:cNvPr id="6" name="그림 5">
+            <a:extLst>
+              <a:ext uri="{FF2B5EF4-FFF2-40B4-BE49-F238E27FC236}">
+                <a16:creationId xmlns:a16="http://schemas.microsoft.com/office/drawing/2014/main" id="{638A8EA9-3946-5946-5419-85A58A5E5590}"/>
+              </a:ext>
+            </a:extLst>
+          </p:cNvPr>
+          <p:cNvPicPr>
+            <a:picLocks noChangeAspect="1"/>
+          </p:cNvPicPr>
+          <p:nvPr/>
+        </p:nvPicPr>
+        <p:blipFill>
+          <a:blip r:embed="rId3"/>
+          <a:stretch>
+            <a:fillRect/>
+          </a:stretch>
+        </p:blipFill>
+        <p:spPr>
+          <a:xfrm>
+            <a:off x="4188957" y="3042295"/>
+            <a:ext cx="3962400" cy="1885950"/>
+          </a:xfrm>
+          <a:prstGeom prst="rect">
+            <a:avLst/>
+          </a:prstGeom>
+        </p:spPr>
+      </p:pic>
+    </p:spTree>
+    <p:extLst>
+      <p:ext uri="{BB962C8B-B14F-4D97-AF65-F5344CB8AC3E}">
+        <p14:creationId xmlns:p14="http://schemas.microsoft.com/office/powerpoint/2010/main" val="4228435606"/>
       </p:ext>
     </p:extLst>
   </p:cSld>
@@ -6837,6 +8259,21 @@
 </file>
 
 <file path=customXml/item1.xml><?xml version="1.0" encoding="utf-8"?>
+<?mso-contentType ?>
+<FormTemplates xmlns="http://schemas.microsoft.com/sharepoint/v3/contenttype/forms">
+  <Display>DocumentLibraryForm</Display>
+  <Edit>DocumentLibraryForm</Edit>
+  <New>DocumentLibraryForm</New>
+</FormTemplates>
+</file>
+
+<file path=customXml/item2.xml><?xml version="1.0" encoding="utf-8"?>
+<p:properties xmlns:p="http://schemas.microsoft.com/office/2006/metadata/properties" xmlns:xsi="http://www.w3.org/2001/XMLSchema-instance" xmlns:pc="http://schemas.microsoft.com/office/infopath/2007/PartnerControls">
+  <documentManagement/>
+</p:properties>
+</file>
+
+<file path=customXml/item3.xml><?xml version="1.0" encoding="utf-8"?>
 <ct:contentTypeSchema xmlns:ct="http://schemas.microsoft.com/office/2006/metadata/contentType" xmlns:ma="http://schemas.microsoft.com/office/2006/metadata/properties/metaAttributes" ct:_="" ma:_="" ma:contentTypeName="문서" ma:contentTypeID="0x01010094045299AFDCA045855F8344FFFCB4B4" ma:contentTypeVersion="0" ma:contentTypeDescription="새 문서를 만듭니다." ma:contentTypeScope="" ma:versionID="48340f7fc8974c11d41f573f4a5aa434">
   <xsd:schema xmlns:xsd="http://www.w3.org/2001/XMLSchema" xmlns:p="http://schemas.microsoft.com/office/2006/metadata/properties" targetNamespace="http://schemas.microsoft.com/office/2006/metadata/properties" ma:root="true" ma:fieldsID="6d1ee5c80bf69a1ee28e268965e8a726">
     <xsd:element name="properties">
@@ -6885,22 +8322,30 @@
 </ct:contentTypeSchema>
 </file>
 
-<file path=customXml/item2.xml><?xml version="1.0" encoding="utf-8"?>
-<?mso-contentType ?>
-<FormTemplates xmlns="http://schemas.microsoft.com/sharepoint/v3/contenttype/forms">
-  <Display>DocumentLibraryForm</Display>
-  <Edit>DocumentLibraryForm</Edit>
-  <New>DocumentLibraryForm</New>
-</FormTemplates>
+<file path=customXml/itemProps1.xml><?xml version="1.0" encoding="utf-8"?>
+<ds:datastoreItem xmlns:ds="http://schemas.openxmlformats.org/officeDocument/2006/customXml" ds:itemID="{290F850F-1707-4042-B785-91620C10ADD0}">
+  <ds:schemaRefs>
+    <ds:schemaRef ds:uri="http://schemas.microsoft.com/sharepoint/v3/contenttype/forms"/>
+  </ds:schemaRefs>
+</ds:datastoreItem>
 </file>
 
-<file path=customXml/item3.xml><?xml version="1.0" encoding="utf-8"?>
-<p:properties xmlns:p="http://schemas.microsoft.com/office/2006/metadata/properties" xmlns:xsi="http://www.w3.org/2001/XMLSchema-instance" xmlns:pc="http://schemas.microsoft.com/office/infopath/2007/PartnerControls">
-  <documentManagement/>
-</p:properties>
+<file path=customXml/itemProps2.xml><?xml version="1.0" encoding="utf-8"?>
+<ds:datastoreItem xmlns:ds="http://schemas.openxmlformats.org/officeDocument/2006/customXml" ds:itemID="{2930EFD6-240A-4E79-92AB-0E3FAF99B1B1}">
+  <ds:schemaRefs>
+    <ds:schemaRef ds:uri="http://purl.org/dc/dcmitype/"/>
+    <ds:schemaRef ds:uri="http://purl.org/dc/terms/"/>
+    <ds:schemaRef ds:uri="http://schemas.microsoft.com/office/2006/documentManagement/types"/>
+    <ds:schemaRef ds:uri="http://www.w3.org/XML/1998/namespace"/>
+    <ds:schemaRef ds:uri="http://purl.org/dc/elements/1.1/"/>
+    <ds:schemaRef ds:uri="http://schemas.openxmlformats.org/package/2006/metadata/core-properties"/>
+    <ds:schemaRef ds:uri="http://schemas.microsoft.com/office/2006/metadata/properties"/>
+    <ds:schemaRef ds:uri="http://schemas.microsoft.com/office/infopath/2007/PartnerControls"/>
+  </ds:schemaRefs>
+</ds:datastoreItem>
 </file>
 
-<file path=customXml/itemProps1.xml><?xml version="1.0" encoding="utf-8"?>
+<file path=customXml/itemProps3.xml><?xml version="1.0" encoding="utf-8"?>
 <ds:datastoreItem xmlns:ds="http://schemas.openxmlformats.org/officeDocument/2006/customXml" ds:itemID="{4BE7663C-9F19-41FD-9D3F-084CE93354FA}">
   <ds:schemaRefs>
     <ds:schemaRef ds:uri="http://schemas.microsoft.com/office/2006/metadata/contentType"/>
@@ -6913,27 +8358,4 @@
     <ds:schemaRef ds:uri="http://schemas.microsoft.com/office/internal/2005/internalDocumentation"/>
   </ds:schemaRefs>
 </ds:datastoreItem>
-</file>
-
-<file path=customXml/itemProps2.xml><?xml version="1.0" encoding="utf-8"?>
-<ds:datastoreItem xmlns:ds="http://schemas.openxmlformats.org/officeDocument/2006/customXml" ds:itemID="{290F850F-1707-4042-B785-91620C10ADD0}">
-  <ds:schemaRefs>
-    <ds:schemaRef ds:uri="http://schemas.microsoft.com/sharepoint/v3/contenttype/forms"/>
-  </ds:schemaRefs>
-</ds:datastoreItem>
-</file>
-
-<file path=customXml/itemProps3.xml><?xml version="1.0" encoding="utf-8"?>
-<ds:datastoreItem xmlns:ds="http://schemas.openxmlformats.org/officeDocument/2006/customXml" ds:itemID="{2930EFD6-240A-4E79-92AB-0E3FAF99B1B1}">
-  <ds:schemaRefs>
-    <ds:schemaRef ds:uri="http://purl.org/dc/dcmitype/"/>
-    <ds:schemaRef ds:uri="http://purl.org/dc/terms/"/>
-    <ds:schemaRef ds:uri="http://schemas.microsoft.com/office/2006/documentManagement/types"/>
-    <ds:schemaRef ds:uri="http://www.w3.org/XML/1998/namespace"/>
-    <ds:schemaRef ds:uri="http://purl.org/dc/elements/1.1/"/>
-    <ds:schemaRef ds:uri="http://schemas.openxmlformats.org/package/2006/metadata/core-properties"/>
-    <ds:schemaRef ds:uri="http://schemas.microsoft.com/office/2006/metadata/properties"/>
-    <ds:schemaRef ds:uri="http://schemas.microsoft.com/office/infopath/2007/PartnerControls"/>
-  </ds:schemaRefs>
-</ds:datastoreItem>
 </file>
--- a/ViT_docs/Test scenario-ViT/No.2-질의창.pptx
+++ b/ViT_docs/Test scenario-ViT/No.2-질의창.pptx
@@ -6,10 +6,10 @@
     <p:sldMasterId id="2147484752" r:id="rId5"/>
   </p:sldMasterIdLst>
   <p:notesMasterIdLst>
-    <p:notesMasterId r:id="rId17"/>
+    <p:notesMasterId r:id="rId19"/>
   </p:notesMasterIdLst>
   <p:handoutMasterIdLst>
-    <p:handoutMasterId r:id="rId18"/>
+    <p:handoutMasterId r:id="rId20"/>
   </p:handoutMasterIdLst>
   <p:sldIdLst>
     <p:sldId id="487" r:id="rId6"/>
@@ -23,23 +23,25 @@
     <p:sldId id="781" r:id="rId14"/>
     <p:sldId id="779" r:id="rId15"/>
     <p:sldId id="780" r:id="rId16"/>
+    <p:sldId id="782" r:id="rId17"/>
+    <p:sldId id="783" r:id="rId18"/>
   </p:sldIdLst>
   <p:sldSz cx="9144000" cy="6858000" type="screen4x3"/>
   <p:notesSz cx="6669088" cy="9928225"/>
   <p:embeddedFontLst>
     <p:embeddedFont>
       <p:font typeface="나눔고딕" panose="020D0604000000000000" pitchFamily="50" charset="-127"/>
-      <p:regular r:id="rId19"/>
-      <p:bold r:id="rId20"/>
+      <p:regular r:id="rId21"/>
+      <p:bold r:id="rId22"/>
     </p:embeddedFont>
     <p:embeddedFont>
       <p:font typeface="나눔고딕 Bold" panose="020D0804000000000000" pitchFamily="50" charset="-127"/>
-      <p:bold r:id="rId21"/>
+      <p:bold r:id="rId23"/>
     </p:embeddedFont>
     <p:embeddedFont>
       <p:font typeface="맑은 고딕" panose="020B0503020000020004" pitchFamily="50" charset="-127"/>
-      <p:regular r:id="rId22"/>
-      <p:bold r:id="rId23"/>
+      <p:regular r:id="rId24"/>
+      <p:bold r:id="rId25"/>
     </p:embeddedFont>
   </p:embeddedFontLst>
   <p:defaultTextStyle>
@@ -4194,6 +4196,828 @@
 </p:sld>
 </file>
 
+<file path=ppt/slides/slide12.xml><?xml version="1.0" encoding="utf-8"?>
+<p:sld xmlns:a="http://schemas.openxmlformats.org/drawingml/2006/main" xmlns:r="http://schemas.openxmlformats.org/officeDocument/2006/relationships" xmlns:p="http://schemas.openxmlformats.org/presentationml/2006/main">
+  <p:cSld>
+    <p:spTree>
+      <p:nvGrpSpPr>
+        <p:cNvPr id="1" name=""/>
+        <p:cNvGrpSpPr/>
+        <p:nvPr/>
+      </p:nvGrpSpPr>
+      <p:grpSpPr>
+        <a:xfrm>
+          <a:off x="0" y="0"/>
+          <a:ext cx="0" cy="0"/>
+          <a:chOff x="0" y="0"/>
+          <a:chExt cx="0" cy="0"/>
+        </a:xfrm>
+      </p:grpSpPr>
+      <p:sp>
+        <p:nvSpPr>
+          <p:cNvPr id="49156" name="내용 개체 틀 4"/>
+          <p:cNvSpPr>
+            <a:spLocks noGrp="1"/>
+          </p:cNvSpPr>
+          <p:nvPr>
+            <p:ph idx="1"/>
+          </p:nvPr>
+        </p:nvSpPr>
+        <p:spPr bwMode="auto">
+          <a:noFill/>
+          <a:extLst>
+            <a:ext uri="{909E8E84-426E-40DD-AFC4-6F175D3DCCD1}">
+              <a14:hiddenFill xmlns:a14="http://schemas.microsoft.com/office/drawing/2010/main">
+                <a:solidFill>
+                  <a:srgbClr val="FFFFFF"/>
+                </a:solidFill>
+              </a14:hiddenFill>
+            </a:ext>
+            <a:ext uri="{91240B29-F687-4F45-9708-019B960494DF}">
+              <a14:hiddenLine xmlns:a14="http://schemas.microsoft.com/office/drawing/2010/main" w="9525">
+                <a:solidFill>
+                  <a:srgbClr val="000000"/>
+                </a:solidFill>
+                <a:miter lim="800000"/>
+                <a:headEnd/>
+                <a:tailEnd/>
+              </a14:hiddenLine>
+            </a:ext>
+          </a:extLst>
+        </p:spPr>
+        <p:txBody>
+          <a:bodyPr vert="horz" wrap="square" lIns="91440" tIns="45720" rIns="91440" bIns="45720" numCol="1" anchor="t" anchorCtr="0" compatLnSpc="1">
+            <a:prstTxWarp prst="textNoShape">
+              <a:avLst/>
+            </a:prstTxWarp>
+          </a:bodyPr>
+          <a:lstStyle/>
+          <a:p>
+            <a:pPr>
+              <a:buFontTx/>
+              <a:buChar char="-"/>
+            </a:pPr>
+            <a:r>
+              <a:rPr lang="ko-KR" altLang="en-US">
+                <a:latin typeface="+mn-lt"/>
+                <a:ea typeface="+mj-ea"/>
+              </a:rPr>
+              <a:t>화면과 같이 정점과 간선 정보를 입력후에 </a:t>
+            </a:r>
+            <a:r>
+              <a:rPr lang="en-US" altLang="ko-KR">
+                <a:latin typeface="+mn-lt"/>
+                <a:ea typeface="+mj-ea"/>
+              </a:rPr>
+              <a:t>[</a:t>
+            </a:r>
+            <a:r>
+              <a:rPr lang="ko-KR" altLang="en-US">
+                <a:latin typeface="+mn-lt"/>
+                <a:ea typeface="+mj-ea"/>
+              </a:rPr>
+              <a:t>실행</a:t>
+            </a:r>
+            <a:r>
+              <a:rPr lang="en-US" altLang="ko-KR">
+                <a:latin typeface="+mn-lt"/>
+                <a:ea typeface="+mj-ea"/>
+              </a:rPr>
+              <a:t>] </a:t>
+            </a:r>
+            <a:r>
+              <a:rPr lang="ko-KR" altLang="en-US">
+                <a:latin typeface="+mn-lt"/>
+                <a:ea typeface="+mj-ea"/>
+              </a:rPr>
+              <a:t>버튼을 누를 경우 </a:t>
+            </a:r>
+            <a:endParaRPr lang="en-US" altLang="ko-KR">
+              <a:latin typeface="+mn-lt"/>
+              <a:ea typeface="+mj-ea"/>
+            </a:endParaRPr>
+          </a:p>
+          <a:p>
+            <a:pPr marL="0" indent="0">
+              <a:buNone/>
+            </a:pPr>
+            <a:r>
+              <a:rPr lang="en-US" altLang="ko-KR">
+                <a:solidFill>
+                  <a:schemeClr val="tx2"/>
+                </a:solidFill>
+                <a:latin typeface="+mn-lt"/>
+                <a:ea typeface="+mj-ea"/>
+              </a:rPr>
+              <a:t>* </a:t>
+            </a:r>
+            <a:r>
+              <a:rPr lang="ko-KR" altLang="en-US">
+                <a:solidFill>
+                  <a:schemeClr val="tx2"/>
+                </a:solidFill>
+                <a:latin typeface="+mn-lt"/>
+                <a:ea typeface="+mj-ea"/>
+              </a:rPr>
+              <a:t>정상적으로 질의가 입력되는 지 확인</a:t>
+            </a:r>
+            <a:endParaRPr lang="en-US" altLang="ko-KR">
+              <a:solidFill>
+                <a:schemeClr val="tx2"/>
+              </a:solidFill>
+              <a:latin typeface="+mn-lt"/>
+              <a:ea typeface="+mj-ea"/>
+            </a:endParaRPr>
+          </a:p>
+          <a:p>
+            <a:endParaRPr lang="en-US" altLang="ko-KR">
+              <a:solidFill>
+                <a:schemeClr val="tx2"/>
+              </a:solidFill>
+              <a:latin typeface="+mn-lt"/>
+              <a:ea typeface="+mj-ea"/>
+            </a:endParaRPr>
+          </a:p>
+          <a:p>
+            <a:endParaRPr lang="en-US" altLang="ko-KR">
+              <a:solidFill>
+                <a:schemeClr val="tx2"/>
+              </a:solidFill>
+              <a:latin typeface="+mn-lt"/>
+              <a:ea typeface="+mj-ea"/>
+            </a:endParaRPr>
+          </a:p>
+          <a:p>
+            <a:endParaRPr lang="en-US" altLang="ko-KR">
+              <a:solidFill>
+                <a:schemeClr val="tx2"/>
+              </a:solidFill>
+              <a:latin typeface="+mn-lt"/>
+              <a:ea typeface="+mj-ea"/>
+            </a:endParaRPr>
+          </a:p>
+          <a:p>
+            <a:endParaRPr lang="en-US" altLang="ko-KR">
+              <a:solidFill>
+                <a:schemeClr val="tx2"/>
+              </a:solidFill>
+              <a:latin typeface="+mn-lt"/>
+              <a:ea typeface="+mj-ea"/>
+            </a:endParaRPr>
+          </a:p>
+          <a:p>
+            <a:endParaRPr lang="en-US" altLang="ko-KR">
+              <a:solidFill>
+                <a:schemeClr val="tx2"/>
+              </a:solidFill>
+              <a:latin typeface="+mn-lt"/>
+              <a:ea typeface="+mj-ea"/>
+            </a:endParaRPr>
+          </a:p>
+          <a:p>
+            <a:endParaRPr lang="en-US" altLang="ko-KR">
+              <a:solidFill>
+                <a:schemeClr val="tx2"/>
+              </a:solidFill>
+              <a:latin typeface="+mn-lt"/>
+              <a:ea typeface="+mj-ea"/>
+            </a:endParaRPr>
+          </a:p>
+          <a:p>
+            <a:endParaRPr lang="en-US" altLang="ko-KR">
+              <a:solidFill>
+                <a:schemeClr val="tx2"/>
+              </a:solidFill>
+              <a:latin typeface="+mn-lt"/>
+              <a:ea typeface="+mj-ea"/>
+            </a:endParaRPr>
+          </a:p>
+          <a:p>
+            <a:endParaRPr lang="en-US" altLang="ko-KR">
+              <a:solidFill>
+                <a:schemeClr val="tx2"/>
+              </a:solidFill>
+              <a:latin typeface="+mn-lt"/>
+              <a:ea typeface="+mj-ea"/>
+            </a:endParaRPr>
+          </a:p>
+          <a:p>
+            <a:pPr>
+              <a:buFontTx/>
+              <a:buChar char="-"/>
+            </a:pPr>
+            <a:r>
+              <a:rPr lang="ko-KR" altLang="en-US">
+                <a:latin typeface="+mn-lt"/>
+                <a:ea typeface="+mj-ea"/>
+              </a:rPr>
+              <a:t>화면과 같이 간선 체크 박스를 해제 후에 </a:t>
+            </a:r>
+            <a:endParaRPr lang="en-US" altLang="ko-KR">
+              <a:latin typeface="+mn-lt"/>
+              <a:ea typeface="+mj-ea"/>
+            </a:endParaRPr>
+          </a:p>
+          <a:p>
+            <a:pPr marL="0" indent="0">
+              <a:buNone/>
+            </a:pPr>
+            <a:r>
+              <a:rPr lang="en-US" altLang="ko-KR">
+                <a:solidFill>
+                  <a:schemeClr val="tx2"/>
+                </a:solidFill>
+                <a:latin typeface="+mn-lt"/>
+                <a:ea typeface="+mj-ea"/>
+              </a:rPr>
+              <a:t>* </a:t>
+            </a:r>
+            <a:r>
+              <a:rPr lang="ko-KR" altLang="en-US">
+                <a:solidFill>
+                  <a:schemeClr val="tx2"/>
+                </a:solidFill>
+                <a:latin typeface="+mn-lt"/>
+                <a:ea typeface="+mj-ea"/>
+              </a:rPr>
+              <a:t>간선이 제거된 질의가 입력되는 지 확인</a:t>
+            </a:r>
+            <a:endParaRPr lang="en-US" altLang="ko-KR">
+              <a:solidFill>
+                <a:schemeClr val="tx2"/>
+              </a:solidFill>
+              <a:latin typeface="+mn-lt"/>
+              <a:ea typeface="+mj-ea"/>
+            </a:endParaRPr>
+          </a:p>
+          <a:p>
+            <a:endParaRPr lang="en-US" altLang="ko-KR">
+              <a:solidFill>
+                <a:schemeClr val="tx2"/>
+              </a:solidFill>
+              <a:latin typeface="+mn-lt"/>
+              <a:ea typeface="+mj-ea"/>
+            </a:endParaRPr>
+          </a:p>
+        </p:txBody>
+      </p:sp>
+      <p:sp>
+        <p:nvSpPr>
+          <p:cNvPr id="49154" name="제목 1"/>
+          <p:cNvSpPr>
+            <a:spLocks noGrp="1"/>
+          </p:cNvSpPr>
+          <p:nvPr>
+            <p:ph type="title"/>
+          </p:nvPr>
+        </p:nvSpPr>
+        <p:spPr bwMode="auto">
+          <a:noFill/>
+          <a:extLst>
+            <a:ext uri="{909E8E84-426E-40DD-AFC4-6F175D3DCCD1}">
+              <a14:hiddenFill xmlns:a14="http://schemas.microsoft.com/office/drawing/2010/main">
+                <a:solidFill>
+                  <a:srgbClr val="FFFFFF"/>
+                </a:solidFill>
+              </a14:hiddenFill>
+            </a:ext>
+            <a:ext uri="{91240B29-F687-4F45-9708-019B960494DF}">
+              <a14:hiddenLine xmlns:a14="http://schemas.microsoft.com/office/drawing/2010/main" w="9525">
+                <a:solidFill>
+                  <a:srgbClr val="000000"/>
+                </a:solidFill>
+                <a:miter lim="800000"/>
+                <a:headEnd/>
+                <a:tailEnd/>
+              </a14:hiddenLine>
+            </a:ext>
+          </a:extLst>
+        </p:spPr>
+        <p:txBody>
+          <a:bodyPr vert="horz" wrap="square" lIns="91440" tIns="45720" rIns="91440" bIns="45720" numCol="1" anchor="t" anchorCtr="0" compatLnSpc="1">
+            <a:prstTxWarp prst="textNoShape">
+              <a:avLst/>
+            </a:prstTxWarp>
+          </a:bodyPr>
+          <a:lstStyle/>
+          <a:p>
+            <a:r>
+              <a:rPr lang="en-US" altLang="ko-KR">
+                <a:latin typeface="+mn-lt"/>
+                <a:ea typeface="+mj-ea"/>
+              </a:rPr>
+              <a:t>8. </a:t>
+            </a:r>
+            <a:r>
+              <a:rPr lang="ko-KR" altLang="en-US">
+                <a:latin typeface="+mn-lt"/>
+                <a:ea typeface="+mj-ea"/>
+              </a:rPr>
+              <a:t>질의 변환 실행</a:t>
+            </a:r>
+            <a:endParaRPr lang="ko-KR" altLang="en-US" sz="1400" dirty="0">
+              <a:latin typeface="+mn-lt"/>
+              <a:ea typeface="+mj-ea"/>
+            </a:endParaRPr>
+          </a:p>
+        </p:txBody>
+      </p:sp>
+      <p:pic>
+        <p:nvPicPr>
+          <p:cNvPr id="4" name="그림 3">
+            <a:extLst>
+              <a:ext uri="{FF2B5EF4-FFF2-40B4-BE49-F238E27FC236}">
+                <a16:creationId xmlns:a16="http://schemas.microsoft.com/office/drawing/2014/main" id="{47FE5E50-2659-1554-0E73-193D2ACAEB5A}"/>
+              </a:ext>
+            </a:extLst>
+          </p:cNvPr>
+          <p:cNvPicPr>
+            <a:picLocks noChangeAspect="1"/>
+          </p:cNvPicPr>
+          <p:nvPr/>
+        </p:nvPicPr>
+        <p:blipFill>
+          <a:blip r:embed="rId2"/>
+          <a:stretch>
+            <a:fillRect/>
+          </a:stretch>
+        </p:blipFill>
+        <p:spPr>
+          <a:xfrm>
+            <a:off x="457200" y="1700808"/>
+            <a:ext cx="7620000" cy="1819275"/>
+          </a:xfrm>
+          <a:prstGeom prst="rect">
+            <a:avLst/>
+          </a:prstGeom>
+        </p:spPr>
+      </p:pic>
+      <p:pic>
+        <p:nvPicPr>
+          <p:cNvPr id="7" name="그림 6">
+            <a:extLst>
+              <a:ext uri="{FF2B5EF4-FFF2-40B4-BE49-F238E27FC236}">
+                <a16:creationId xmlns:a16="http://schemas.microsoft.com/office/drawing/2014/main" id="{208C6371-B9F0-F572-9CE2-D0B16205F6C5}"/>
+              </a:ext>
+            </a:extLst>
+          </p:cNvPr>
+          <p:cNvPicPr>
+            <a:picLocks noChangeAspect="1"/>
+          </p:cNvPicPr>
+          <p:nvPr/>
+        </p:nvPicPr>
+        <p:blipFill>
+          <a:blip r:embed="rId3"/>
+          <a:stretch>
+            <a:fillRect/>
+          </a:stretch>
+        </p:blipFill>
+        <p:spPr>
+          <a:xfrm>
+            <a:off x="395536" y="4259409"/>
+            <a:ext cx="7562850" cy="1876425"/>
+          </a:xfrm>
+          <a:prstGeom prst="rect">
+            <a:avLst/>
+          </a:prstGeom>
+        </p:spPr>
+      </p:pic>
+    </p:spTree>
+    <p:extLst>
+      <p:ext uri="{BB962C8B-B14F-4D97-AF65-F5344CB8AC3E}">
+        <p14:creationId xmlns:p14="http://schemas.microsoft.com/office/powerpoint/2010/main" val="4208097558"/>
+      </p:ext>
+    </p:extLst>
+  </p:cSld>
+  <p:clrMapOvr>
+    <a:masterClrMapping/>
+  </p:clrMapOvr>
+</p:sld>
+</file>
+
+<file path=ppt/slides/slide13.xml><?xml version="1.0" encoding="utf-8"?>
+<p:sld xmlns:a="http://schemas.openxmlformats.org/drawingml/2006/main" xmlns:r="http://schemas.openxmlformats.org/officeDocument/2006/relationships" xmlns:p="http://schemas.openxmlformats.org/presentationml/2006/main">
+  <p:cSld>
+    <p:spTree>
+      <p:nvGrpSpPr>
+        <p:cNvPr id="1" name=""/>
+        <p:cNvGrpSpPr/>
+        <p:nvPr/>
+      </p:nvGrpSpPr>
+      <p:grpSpPr>
+        <a:xfrm>
+          <a:off x="0" y="0"/>
+          <a:ext cx="0" cy="0"/>
+          <a:chOff x="0" y="0"/>
+          <a:chExt cx="0" cy="0"/>
+        </a:xfrm>
+      </p:grpSpPr>
+      <p:sp>
+        <p:nvSpPr>
+          <p:cNvPr id="49156" name="내용 개체 틀 4"/>
+          <p:cNvSpPr>
+            <a:spLocks noGrp="1"/>
+          </p:cNvSpPr>
+          <p:nvPr>
+            <p:ph idx="1"/>
+          </p:nvPr>
+        </p:nvSpPr>
+        <p:spPr bwMode="auto">
+          <a:noFill/>
+          <a:extLst>
+            <a:ext uri="{909E8E84-426E-40DD-AFC4-6F175D3DCCD1}">
+              <a14:hiddenFill xmlns:a14="http://schemas.microsoft.com/office/drawing/2010/main">
+                <a:solidFill>
+                  <a:srgbClr val="FFFFFF"/>
+                </a:solidFill>
+              </a14:hiddenFill>
+            </a:ext>
+            <a:ext uri="{91240B29-F687-4F45-9708-019B960494DF}">
+              <a14:hiddenLine xmlns:a14="http://schemas.microsoft.com/office/drawing/2010/main" w="9525">
+                <a:solidFill>
+                  <a:srgbClr val="000000"/>
+                </a:solidFill>
+                <a:miter lim="800000"/>
+                <a:headEnd/>
+                <a:tailEnd/>
+              </a14:hiddenLine>
+            </a:ext>
+          </a:extLst>
+        </p:spPr>
+        <p:txBody>
+          <a:bodyPr vert="horz" wrap="square" lIns="91440" tIns="45720" rIns="91440" bIns="45720" numCol="1" anchor="t" anchorCtr="0" compatLnSpc="1">
+            <a:prstTxWarp prst="textNoShape">
+              <a:avLst/>
+            </a:prstTxWarp>
+          </a:bodyPr>
+          <a:lstStyle/>
+          <a:p>
+            <a:pPr>
+              <a:buFontTx/>
+              <a:buChar char="-"/>
+            </a:pPr>
+            <a:r>
+              <a:rPr lang="ko-KR" altLang="en-US">
+                <a:latin typeface="+mn-lt"/>
+                <a:ea typeface="+mj-ea"/>
+              </a:rPr>
+              <a:t>아래와 같은 쿼리를 입력 후 빨간색 원로 표시된 버튼을 클릭합니다</a:t>
+            </a:r>
+            <a:r>
+              <a:rPr lang="en-US" altLang="ko-KR">
+                <a:latin typeface="+mn-lt"/>
+                <a:ea typeface="+mj-ea"/>
+              </a:rPr>
+              <a:t>.</a:t>
+            </a:r>
+          </a:p>
+          <a:p>
+            <a:endParaRPr lang="en-US" altLang="ko-KR">
+              <a:solidFill>
+                <a:schemeClr val="tx2"/>
+              </a:solidFill>
+              <a:latin typeface="+mn-lt"/>
+              <a:ea typeface="+mj-ea"/>
+            </a:endParaRPr>
+          </a:p>
+          <a:p>
+            <a:endParaRPr lang="en-US" altLang="ko-KR">
+              <a:solidFill>
+                <a:schemeClr val="tx2"/>
+              </a:solidFill>
+              <a:latin typeface="+mn-lt"/>
+              <a:ea typeface="+mj-ea"/>
+            </a:endParaRPr>
+          </a:p>
+          <a:p>
+            <a:endParaRPr lang="en-US" altLang="ko-KR">
+              <a:solidFill>
+                <a:schemeClr val="tx2"/>
+              </a:solidFill>
+              <a:latin typeface="+mn-lt"/>
+              <a:ea typeface="+mj-ea"/>
+            </a:endParaRPr>
+          </a:p>
+          <a:p>
+            <a:endParaRPr lang="en-US" altLang="ko-KR">
+              <a:solidFill>
+                <a:schemeClr val="tx2"/>
+              </a:solidFill>
+              <a:latin typeface="+mn-lt"/>
+              <a:ea typeface="+mj-ea"/>
+            </a:endParaRPr>
+          </a:p>
+          <a:p>
+            <a:endParaRPr lang="en-US" altLang="ko-KR">
+              <a:solidFill>
+                <a:schemeClr val="tx2"/>
+              </a:solidFill>
+              <a:latin typeface="+mn-lt"/>
+              <a:ea typeface="+mj-ea"/>
+            </a:endParaRPr>
+          </a:p>
+          <a:p>
+            <a:endParaRPr lang="en-US" altLang="ko-KR">
+              <a:solidFill>
+                <a:schemeClr val="tx2"/>
+              </a:solidFill>
+              <a:latin typeface="+mn-lt"/>
+              <a:ea typeface="+mj-ea"/>
+            </a:endParaRPr>
+          </a:p>
+          <a:p>
+            <a:endParaRPr lang="en-US" altLang="ko-KR">
+              <a:solidFill>
+                <a:schemeClr val="tx2"/>
+              </a:solidFill>
+              <a:latin typeface="+mn-lt"/>
+              <a:ea typeface="+mj-ea"/>
+            </a:endParaRPr>
+          </a:p>
+          <a:p>
+            <a:endParaRPr lang="en-US" altLang="ko-KR">
+              <a:solidFill>
+                <a:schemeClr val="tx2"/>
+              </a:solidFill>
+              <a:latin typeface="+mn-lt"/>
+              <a:ea typeface="+mj-ea"/>
+            </a:endParaRPr>
+          </a:p>
+          <a:p>
+            <a:endParaRPr lang="en-US" altLang="ko-KR">
+              <a:solidFill>
+                <a:schemeClr val="tx2"/>
+              </a:solidFill>
+              <a:latin typeface="+mn-lt"/>
+              <a:ea typeface="+mj-ea"/>
+            </a:endParaRPr>
+          </a:p>
+          <a:p>
+            <a:endParaRPr lang="en-US" altLang="ko-KR">
+              <a:solidFill>
+                <a:schemeClr val="tx2"/>
+              </a:solidFill>
+              <a:latin typeface="+mn-lt"/>
+              <a:ea typeface="+mj-ea"/>
+            </a:endParaRPr>
+          </a:p>
+          <a:p>
+            <a:pPr>
+              <a:buFontTx/>
+              <a:buChar char="-"/>
+            </a:pPr>
+            <a:r>
+              <a:rPr lang="ko-KR" altLang="en-US">
+                <a:latin typeface="+mn-lt"/>
+                <a:ea typeface="+mj-ea"/>
+              </a:rPr>
+              <a:t>아래와 같이 정상적으로 실행 계획 정보가 확인 되는지 확인합니다</a:t>
+            </a:r>
+            <a:r>
+              <a:rPr lang="en-US" altLang="ko-KR">
+                <a:latin typeface="+mn-lt"/>
+                <a:ea typeface="+mj-ea"/>
+              </a:rPr>
+              <a:t>.</a:t>
+            </a:r>
+          </a:p>
+        </p:txBody>
+      </p:sp>
+      <p:sp>
+        <p:nvSpPr>
+          <p:cNvPr id="49154" name="제목 1"/>
+          <p:cNvSpPr>
+            <a:spLocks noGrp="1"/>
+          </p:cNvSpPr>
+          <p:nvPr>
+            <p:ph type="title"/>
+          </p:nvPr>
+        </p:nvSpPr>
+        <p:spPr bwMode="auto">
+          <a:noFill/>
+          <a:extLst>
+            <a:ext uri="{909E8E84-426E-40DD-AFC4-6F175D3DCCD1}">
+              <a14:hiddenFill xmlns:a14="http://schemas.microsoft.com/office/drawing/2010/main">
+                <a:solidFill>
+                  <a:srgbClr val="FFFFFF"/>
+                </a:solidFill>
+              </a14:hiddenFill>
+            </a:ext>
+            <a:ext uri="{91240B29-F687-4F45-9708-019B960494DF}">
+              <a14:hiddenLine xmlns:a14="http://schemas.microsoft.com/office/drawing/2010/main" w="9525">
+                <a:solidFill>
+                  <a:srgbClr val="000000"/>
+                </a:solidFill>
+                <a:miter lim="800000"/>
+                <a:headEnd/>
+                <a:tailEnd/>
+              </a14:hiddenLine>
+            </a:ext>
+          </a:extLst>
+        </p:spPr>
+        <p:txBody>
+          <a:bodyPr vert="horz" wrap="square" lIns="91440" tIns="45720" rIns="91440" bIns="45720" numCol="1" anchor="t" anchorCtr="0" compatLnSpc="1">
+            <a:prstTxWarp prst="textNoShape">
+              <a:avLst/>
+            </a:prstTxWarp>
+          </a:bodyPr>
+          <a:lstStyle/>
+          <a:p>
+            <a:r>
+              <a:rPr lang="en-US" altLang="ko-KR">
+                <a:latin typeface="+mn-lt"/>
+                <a:ea typeface="+mj-ea"/>
+              </a:rPr>
+              <a:t>9. </a:t>
+            </a:r>
+            <a:r>
+              <a:rPr lang="ko-KR" altLang="en-US">
+                <a:latin typeface="+mn-lt"/>
+                <a:ea typeface="+mj-ea"/>
+              </a:rPr>
+              <a:t>실행 계획 보기 </a:t>
+            </a:r>
+            <a:r>
+              <a:rPr lang="en-US" altLang="ko-KR">
+                <a:latin typeface="+mn-lt"/>
+                <a:ea typeface="+mj-ea"/>
+              </a:rPr>
+              <a:t>(TurboGraph++</a:t>
+            </a:r>
+            <a:r>
+              <a:rPr lang="ko-KR" altLang="en-US">
+                <a:latin typeface="+mn-lt"/>
+                <a:ea typeface="+mj-ea"/>
+              </a:rPr>
+              <a:t>만 지원</a:t>
+            </a:r>
+            <a:r>
+              <a:rPr lang="en-US" altLang="ko-KR">
+                <a:latin typeface="+mn-lt"/>
+                <a:ea typeface="+mj-ea"/>
+              </a:rPr>
+              <a:t>)</a:t>
+            </a:r>
+            <a:r>
+              <a:rPr lang="ko-KR" altLang="en-US">
+                <a:latin typeface="+mn-lt"/>
+                <a:ea typeface="+mj-ea"/>
+              </a:rPr>
+              <a:t> </a:t>
+            </a:r>
+            <a:endParaRPr lang="ko-KR" altLang="en-US" sz="1400" dirty="0">
+              <a:latin typeface="+mn-lt"/>
+              <a:ea typeface="+mj-ea"/>
+            </a:endParaRPr>
+          </a:p>
+        </p:txBody>
+      </p:sp>
+      <p:pic>
+        <p:nvPicPr>
+          <p:cNvPr id="6" name="그림 5">
+            <a:extLst>
+              <a:ext uri="{FF2B5EF4-FFF2-40B4-BE49-F238E27FC236}">
+                <a16:creationId xmlns:a16="http://schemas.microsoft.com/office/drawing/2014/main" id="{E60BA403-4A91-6B1F-6A96-E19964B4A443}"/>
+              </a:ext>
+            </a:extLst>
+          </p:cNvPr>
+          <p:cNvPicPr>
+            <a:picLocks noChangeAspect="1"/>
+          </p:cNvPicPr>
+          <p:nvPr/>
+        </p:nvPicPr>
+        <p:blipFill>
+          <a:blip r:embed="rId2"/>
+          <a:stretch>
+            <a:fillRect/>
+          </a:stretch>
+        </p:blipFill>
+        <p:spPr>
+          <a:xfrm>
+            <a:off x="489863" y="4184218"/>
+            <a:ext cx="7495066" cy="1694041"/>
+          </a:xfrm>
+          <a:prstGeom prst="rect">
+            <a:avLst/>
+          </a:prstGeom>
+        </p:spPr>
+      </p:pic>
+      <p:grpSp>
+        <p:nvGrpSpPr>
+          <p:cNvPr id="9" name="그룹 8">
+            <a:extLst>
+              <a:ext uri="{FF2B5EF4-FFF2-40B4-BE49-F238E27FC236}">
+                <a16:creationId xmlns:a16="http://schemas.microsoft.com/office/drawing/2014/main" id="{337544EB-78C7-2DA6-D9C4-B3C1259CC02C}"/>
+              </a:ext>
+            </a:extLst>
+          </p:cNvPr>
+          <p:cNvGrpSpPr/>
+          <p:nvPr/>
+        </p:nvGrpSpPr>
+        <p:grpSpPr>
+          <a:xfrm>
+            <a:off x="449148" y="1705005"/>
+            <a:ext cx="7535780" cy="1614104"/>
+            <a:chOff x="449148" y="1705005"/>
+            <a:chExt cx="7535780" cy="1614104"/>
+          </a:xfrm>
+        </p:grpSpPr>
+        <p:pic>
+          <p:nvPicPr>
+            <p:cNvPr id="3" name="그림 2">
+              <a:extLst>
+                <a:ext uri="{FF2B5EF4-FFF2-40B4-BE49-F238E27FC236}">
+                  <a16:creationId xmlns:a16="http://schemas.microsoft.com/office/drawing/2014/main" id="{1789A4CD-AA4E-1EC1-E0D6-67E239EC0C09}"/>
+                </a:ext>
+              </a:extLst>
+            </p:cNvPr>
+            <p:cNvPicPr>
+              <a:picLocks noChangeAspect="1"/>
+            </p:cNvPicPr>
+            <p:nvPr/>
+          </p:nvPicPr>
+          <p:blipFill>
+            <a:blip r:embed="rId3"/>
+            <a:stretch>
+              <a:fillRect/>
+            </a:stretch>
+          </p:blipFill>
+          <p:spPr>
+            <a:xfrm>
+              <a:off x="475834" y="1705005"/>
+              <a:ext cx="7509094" cy="1614104"/>
+            </a:xfrm>
+            <a:prstGeom prst="rect">
+              <a:avLst/>
+            </a:prstGeom>
+          </p:spPr>
+        </p:pic>
+        <p:sp>
+          <p:nvSpPr>
+            <p:cNvPr id="8" name="타원 7">
+              <a:extLst>
+                <a:ext uri="{FF2B5EF4-FFF2-40B4-BE49-F238E27FC236}">
+                  <a16:creationId xmlns:a16="http://schemas.microsoft.com/office/drawing/2014/main" id="{074C4790-4A4C-43EC-3F06-E87F9072B3DF}"/>
+                </a:ext>
+              </a:extLst>
+            </p:cNvPr>
+            <p:cNvSpPr/>
+            <p:nvPr/>
+          </p:nvSpPr>
+          <p:spPr>
+            <a:xfrm>
+              <a:off x="449148" y="2924944"/>
+              <a:ext cx="216986" cy="216024"/>
+            </a:xfrm>
+            <a:prstGeom prst="ellipse">
+              <a:avLst/>
+            </a:prstGeom>
+            <a:noFill/>
+            <a:ln>
+              <a:solidFill>
+                <a:srgbClr val="C00000"/>
+              </a:solidFill>
+            </a:ln>
+          </p:spPr>
+          <p:style>
+            <a:lnRef idx="2">
+              <a:schemeClr val="accent1">
+                <a:shade val="50000"/>
+              </a:schemeClr>
+            </a:lnRef>
+            <a:fillRef idx="1">
+              <a:schemeClr val="accent1"/>
+            </a:fillRef>
+            <a:effectRef idx="0">
+              <a:schemeClr val="accent1"/>
+            </a:effectRef>
+            <a:fontRef idx="minor">
+              <a:schemeClr val="lt1"/>
+            </a:fontRef>
+          </p:style>
+          <p:txBody>
+            <a:bodyPr rtlCol="0" anchor="ctr"/>
+            <a:lstStyle/>
+            <a:p>
+              <a:pPr algn="ctr"/>
+              <a:endParaRPr lang="ko-KR" altLang="en-US"/>
+            </a:p>
+          </p:txBody>
+        </p:sp>
+      </p:grpSp>
+    </p:spTree>
+    <p:extLst>
+      <p:ext uri="{BB962C8B-B14F-4D97-AF65-F5344CB8AC3E}">
+        <p14:creationId xmlns:p14="http://schemas.microsoft.com/office/powerpoint/2010/main" val="1620735038"/>
+      </p:ext>
+    </p:extLst>
+  </p:cSld>
+  <p:clrMapOvr>
+    <a:masterClrMapping/>
+  </p:clrMapOvr>
+</p:sld>
+</file>
+
 <file path=ppt/slides/slide2.xml><?xml version="1.0" encoding="utf-8"?>
 <p:sld xmlns:a="http://schemas.openxmlformats.org/drawingml/2006/main" xmlns:r="http://schemas.openxmlformats.org/officeDocument/2006/relationships" xmlns:p="http://schemas.openxmlformats.org/presentationml/2006/main">
   <p:cSld>
@@ -4944,17 +5768,17 @@
                 <a:latin typeface="+mn-lt"/>
                 <a:ea typeface="+mj-ea"/>
               </a:rPr>
-              <a:t>연결 탐색기에서  </a:t>
-            </a:r>
-            <a:r>
-              <a:rPr lang="en-US" altLang="ko-KR" dirty="0">
-                <a:latin typeface="+mn-lt"/>
-                <a:ea typeface="+mj-ea"/>
-              </a:rPr>
-              <a:t>Neo4j </a:t>
-            </a:r>
-            <a:r>
-              <a:rPr lang="en-US" altLang="ko-KR" dirty="0" err="1">
+              <a:t>연결 </a:t>
+            </a:r>
+            <a:r>
+              <a:rPr lang="ko-KR" altLang="en-US">
+                <a:latin typeface="+mn-lt"/>
+                <a:ea typeface="+mj-ea"/>
+              </a:rPr>
+              <a:t>탐색기에서  </a:t>
+            </a:r>
+            <a:r>
+              <a:rPr lang="en-US" altLang="ko-KR">
                 <a:latin typeface="+mn-lt"/>
                 <a:ea typeface="+mj-ea"/>
               </a:rPr>
@@ -5020,15 +5844,95 @@
                 <a:latin typeface="+mn-lt"/>
                 <a:ea typeface="+mj-ea"/>
               </a:rPr>
-              <a:t> 열리는지 확인한다</a:t>
-            </a:r>
-            <a:r>
-              <a:rPr lang="en-US" altLang="ko-KR" dirty="0">
+              <a:t> 열리는지 </a:t>
+            </a:r>
+            <a:r>
+              <a:rPr lang="ko-KR" altLang="en-US">
+                <a:latin typeface="+mn-lt"/>
+                <a:ea typeface="+mj-ea"/>
+              </a:rPr>
+              <a:t>확인한다</a:t>
+            </a:r>
+            <a:r>
+              <a:rPr lang="en-US" altLang="ko-KR">
                 <a:latin typeface="+mn-lt"/>
                 <a:ea typeface="+mj-ea"/>
               </a:rPr>
               <a:t>.</a:t>
             </a:r>
+          </a:p>
+          <a:p>
+            <a:pPr>
+              <a:buFontTx/>
+              <a:buChar char="-"/>
+            </a:pPr>
+            <a:r>
+              <a:rPr lang="ko-KR" altLang="en-US">
+                <a:solidFill>
+                  <a:srgbClr val="FF0000"/>
+                </a:solidFill>
+                <a:latin typeface="+mn-lt"/>
+                <a:ea typeface="+mj-ea"/>
+              </a:rPr>
+              <a:t>이후 </a:t>
+            </a:r>
+            <a:r>
+              <a:rPr lang="en-US" altLang="ko-KR">
+                <a:solidFill>
+                  <a:srgbClr val="FF0000"/>
+                </a:solidFill>
+                <a:latin typeface="+mn-lt"/>
+                <a:ea typeface="+mj-ea"/>
+              </a:rPr>
+              <a:t>GQL </a:t>
+            </a:r>
+            <a:r>
+              <a:rPr lang="ko-KR" altLang="en-US">
+                <a:solidFill>
+                  <a:srgbClr val="FF0000"/>
+                </a:solidFill>
+                <a:latin typeface="+mn-lt"/>
+                <a:ea typeface="+mj-ea"/>
+              </a:rPr>
+              <a:t>편집기에서 질의 변환 기능에 경우 </a:t>
+            </a:r>
+            <a:r>
+              <a:rPr lang="en-US" altLang="ko-KR">
+                <a:solidFill>
+                  <a:srgbClr val="FF0000"/>
+                </a:solidFill>
+                <a:latin typeface="+mn-lt"/>
+                <a:ea typeface="+mj-ea"/>
+              </a:rPr>
+              <a:t>TurboGraph++</a:t>
+            </a:r>
+            <a:r>
+              <a:rPr lang="ko-KR" altLang="en-US">
+                <a:solidFill>
+                  <a:srgbClr val="FF0000"/>
+                </a:solidFill>
+                <a:latin typeface="+mn-lt"/>
+                <a:ea typeface="+mj-ea"/>
+              </a:rPr>
+              <a:t>만 지원 됩니다</a:t>
+            </a:r>
+            <a:r>
+              <a:rPr lang="en-US" altLang="ko-KR">
+                <a:solidFill>
+                  <a:srgbClr val="FF0000"/>
+                </a:solidFill>
+                <a:latin typeface="+mn-lt"/>
+                <a:ea typeface="+mj-ea"/>
+              </a:rPr>
+              <a:t>.</a:t>
+            </a:r>
+            <a:endParaRPr lang="en-US" altLang="ko-KR" dirty="0">
+              <a:solidFill>
+                <a:srgbClr val="FF0000"/>
+              </a:solidFill>
+              <a:latin typeface="+mn-lt"/>
+              <a:ea typeface="+mj-ea"/>
+            </a:endParaRPr>
           </a:p>
         </p:txBody>
       </p:sp>
@@ -8259,21 +9163,6 @@
 </file>
 
 <file path=customXml/item1.xml><?xml version="1.0" encoding="utf-8"?>
-<?mso-contentType ?>
-<FormTemplates xmlns="http://schemas.microsoft.com/sharepoint/v3/contenttype/forms">
-  <Display>DocumentLibraryForm</Display>
-  <Edit>DocumentLibraryForm</Edit>
-  <New>DocumentLibraryForm</New>
-</FormTemplates>
-</file>
-
-<file path=customXml/item2.xml><?xml version="1.0" encoding="utf-8"?>
-<p:properties xmlns:p="http://schemas.microsoft.com/office/2006/metadata/properties" xmlns:xsi="http://www.w3.org/2001/XMLSchema-instance" xmlns:pc="http://schemas.microsoft.com/office/infopath/2007/PartnerControls">
-  <documentManagement/>
-</p:properties>
-</file>
-
-<file path=customXml/item3.xml><?xml version="1.0" encoding="utf-8"?>
 <ct:contentTypeSchema xmlns:ct="http://schemas.microsoft.com/office/2006/metadata/contentType" xmlns:ma="http://schemas.microsoft.com/office/2006/metadata/properties/metaAttributes" ct:_="" ma:_="" ma:contentTypeName="문서" ma:contentTypeID="0x01010094045299AFDCA045855F8344FFFCB4B4" ma:contentTypeVersion="0" ma:contentTypeDescription="새 문서를 만듭니다." ma:contentTypeScope="" ma:versionID="48340f7fc8974c11d41f573f4a5aa434">
   <xsd:schema xmlns:xsd="http://www.w3.org/2001/XMLSchema" xmlns:p="http://schemas.microsoft.com/office/2006/metadata/properties" targetNamespace="http://schemas.microsoft.com/office/2006/metadata/properties" ma:root="true" ma:fieldsID="6d1ee5c80bf69a1ee28e268965e8a726">
     <xsd:element name="properties">
@@ -8322,10 +9211,32 @@
 </ct:contentTypeSchema>
 </file>
 
+<file path=customXml/item2.xml><?xml version="1.0" encoding="utf-8"?>
+<p:properties xmlns:p="http://schemas.microsoft.com/office/2006/metadata/properties" xmlns:xsi="http://www.w3.org/2001/XMLSchema-instance" xmlns:pc="http://schemas.microsoft.com/office/infopath/2007/PartnerControls">
+  <documentManagement/>
+</p:properties>
+</file>
+
+<file path=customXml/item3.xml><?xml version="1.0" encoding="utf-8"?>
+<?mso-contentType ?>
+<FormTemplates xmlns="http://schemas.microsoft.com/sharepoint/v3/contenttype/forms">
+  <Display>DocumentLibraryForm</Display>
+  <Edit>DocumentLibraryForm</Edit>
+  <New>DocumentLibraryForm</New>
+</FormTemplates>
+</file>
+
 <file path=customXml/itemProps1.xml><?xml version="1.0" encoding="utf-8"?>
-<ds:datastoreItem xmlns:ds="http://schemas.openxmlformats.org/officeDocument/2006/customXml" ds:itemID="{290F850F-1707-4042-B785-91620C10ADD0}">
+<ds:datastoreItem xmlns:ds="http://schemas.openxmlformats.org/officeDocument/2006/customXml" ds:itemID="{4BE7663C-9F19-41FD-9D3F-084CE93354FA}">
   <ds:schemaRefs>
-    <ds:schemaRef ds:uri="http://schemas.microsoft.com/sharepoint/v3/contenttype/forms"/>
+    <ds:schemaRef ds:uri="http://schemas.microsoft.com/office/2006/metadata/contentType"/>
+    <ds:schemaRef ds:uri="http://schemas.microsoft.com/office/2006/metadata/properties/metaAttributes"/>
+    <ds:schemaRef ds:uri="http://www.w3.org/2001/XMLSchema"/>
+    <ds:schemaRef ds:uri="http://schemas.microsoft.com/office/2006/metadata/properties"/>
+    <ds:schemaRef ds:uri="http://schemas.openxmlformats.org/package/2006/metadata/core-properties"/>
+    <ds:schemaRef ds:uri="http://purl.org/dc/elements/1.1/"/>
+    <ds:schemaRef ds:uri="http://purl.org/dc/terms/"/>
+    <ds:schemaRef ds:uri="http://schemas.microsoft.com/office/internal/2005/internalDocumentation"/>
   </ds:schemaRefs>
 </ds:datastoreItem>
 </file>
@@ -8346,16 +9257,9 @@
 </file>
 
 <file path=customXml/itemProps3.xml><?xml version="1.0" encoding="utf-8"?>
-<ds:datastoreItem xmlns:ds="http://schemas.openxmlformats.org/officeDocument/2006/customXml" ds:itemID="{4BE7663C-9F19-41FD-9D3F-084CE93354FA}">
+<ds:datastoreItem xmlns:ds="http://schemas.openxmlformats.org/officeDocument/2006/customXml" ds:itemID="{290F850F-1707-4042-B785-91620C10ADD0}">
   <ds:schemaRefs>
-    <ds:schemaRef ds:uri="http://schemas.microsoft.com/office/2006/metadata/contentType"/>
-    <ds:schemaRef ds:uri="http://schemas.microsoft.com/office/2006/metadata/properties/metaAttributes"/>
-    <ds:schemaRef ds:uri="http://www.w3.org/2001/XMLSchema"/>
-    <ds:schemaRef ds:uri="http://schemas.microsoft.com/office/2006/metadata/properties"/>
-    <ds:schemaRef ds:uri="http://schemas.openxmlformats.org/package/2006/metadata/core-properties"/>
-    <ds:schemaRef ds:uri="http://purl.org/dc/elements/1.1/"/>
-    <ds:schemaRef ds:uri="http://purl.org/dc/terms/"/>
-    <ds:schemaRef ds:uri="http://schemas.microsoft.com/office/internal/2005/internalDocumentation"/>
+    <ds:schemaRef ds:uri="http://schemas.microsoft.com/sharepoint/v3/contenttype/forms"/>
   </ds:schemaRefs>
 </ds:datastoreItem>
 </file>